--- a/document/SpringCloud融会贯通/01-Eureka原理解析.pptx
+++ b/document/SpringCloud融会贯通/01-Eureka原理解析.pptx
@@ -6,12 +6,14 @@
     <p:sldMasterId id="2147483660" r:id="rId3"/>
   </p:sldMasterIdLst>
   <p:notesMasterIdLst>
-    <p:notesMasterId r:id="rId7"/>
+    <p:notesMasterId r:id="rId9"/>
   </p:notesMasterIdLst>
   <p:sldIdLst>
     <p:sldId id="257" r:id="rId4"/>
     <p:sldId id="260" r:id="rId5"/>
-    <p:sldId id="264" r:id="rId6"/>
+    <p:sldId id="265" r:id="rId6"/>
+    <p:sldId id="266" r:id="rId7"/>
+    <p:sldId id="264" r:id="rId8"/>
   </p:sldIdLst>
   <p:sldSz cx="12192000" cy="6858000"/>
   <p:notesSz cx="6858000" cy="9144000"/>
@@ -12299,6 +12301,1305 @@
       </p:grpSpPr>
       <p:sp>
         <p:nvSpPr>
+          <p:cNvPr id="2" name="内容占位符 1"/>
+          <p:cNvSpPr txBox="1"/>
+          <p:nvPr>
+            <p:custDataLst>
+              <p:tags r:id="rId1"/>
+            </p:custDataLst>
+          </p:nvPr>
+        </p:nvSpPr>
+        <p:spPr>
+          <a:xfrm>
+            <a:off x="608400" y="1491101"/>
+            <a:ext cx="10970190" cy="4758499"/>
+          </a:xfrm>
+          <a:prstGeom prst="rect">
+            <a:avLst/>
+          </a:prstGeom>
+        </p:spPr>
+        <p:txBody>
+          <a:bodyPr>
+            <a:normAutofit/>
+          </a:bodyPr>
+          <a:lstStyle>
+            <a:lvl1pPr marL="228600" indent="-228600" algn="l" defTabSz="914400" rtl="0" eaLnBrk="1" fontAlgn="auto" latinLnBrk="0" hangingPunct="1">
+              <a:lnSpc>
+                <a:spcPct val="130000"/>
+              </a:lnSpc>
+              <a:spcBef>
+                <a:spcPts val="0"/>
+              </a:spcBef>
+              <a:spcAft>
+                <a:spcPts val="1000"/>
+              </a:spcAft>
+              <a:buFont typeface="Arial" panose="020B0604020202020204" pitchFamily="34" charset="0"/>
+              <a:buChar char="•"/>
+              <a:defRPr sz="1600" u="none" strike="noStrike" kern="1200" cap="none" spc="150" normalizeH="0" baseline="0">
+                <a:solidFill>
+                  <a:schemeClr val="tx1"/>
+                </a:solidFill>
+                <a:uFillTx/>
+                <a:latin typeface="微软雅黑" panose="020B0503020204020204" charset="-122"/>
+                <a:ea typeface="微软雅黑" panose="020B0503020204020204" charset="-122"/>
+                <a:cs typeface="+mn-cs"/>
+              </a:defRPr>
+            </a:lvl1pPr>
+            <a:lvl2pPr marL="685800" indent="-228600" algn="l" defTabSz="914400" rtl="0" eaLnBrk="1" fontAlgn="auto" latinLnBrk="0" hangingPunct="1">
+              <a:lnSpc>
+                <a:spcPct val="130000"/>
+              </a:lnSpc>
+              <a:spcBef>
+                <a:spcPts val="0"/>
+              </a:spcBef>
+              <a:spcAft>
+                <a:spcPts val="1000"/>
+              </a:spcAft>
+              <a:buFont typeface="Arial" panose="020B0604020202020204" pitchFamily="34" charset="0"/>
+              <a:buChar char="•"/>
+              <a:tabLst>
+                <a:tab pos="1609725" algn="l"/>
+              </a:tabLst>
+              <a:defRPr sz="1600" u="none" strike="noStrike" kern="1200" cap="none" spc="150" normalizeH="0" baseline="0">
+                <a:solidFill>
+                  <a:schemeClr val="tx1"/>
+                </a:solidFill>
+                <a:uFillTx/>
+                <a:latin typeface="微软雅黑" panose="020B0503020204020204" charset="-122"/>
+                <a:ea typeface="微软雅黑" panose="020B0503020204020204" charset="-122"/>
+                <a:cs typeface="+mn-cs"/>
+              </a:defRPr>
+            </a:lvl2pPr>
+            <a:lvl3pPr marL="1143000" indent="-228600" algn="l" defTabSz="914400" rtl="0" eaLnBrk="1" fontAlgn="auto" latinLnBrk="0" hangingPunct="1">
+              <a:lnSpc>
+                <a:spcPct val="130000"/>
+              </a:lnSpc>
+              <a:spcBef>
+                <a:spcPts val="0"/>
+              </a:spcBef>
+              <a:spcAft>
+                <a:spcPts val="1000"/>
+              </a:spcAft>
+              <a:buFont typeface="Arial" panose="020B0604020202020204" pitchFamily="34" charset="0"/>
+              <a:buChar char="•"/>
+              <a:defRPr sz="1600" u="none" strike="noStrike" kern="1200" cap="none" spc="150" normalizeH="0" baseline="0">
+                <a:solidFill>
+                  <a:schemeClr val="tx1"/>
+                </a:solidFill>
+                <a:uFillTx/>
+                <a:latin typeface="微软雅黑" panose="020B0503020204020204" charset="-122"/>
+                <a:ea typeface="微软雅黑" panose="020B0503020204020204" charset="-122"/>
+                <a:cs typeface="+mn-cs"/>
+              </a:defRPr>
+            </a:lvl3pPr>
+            <a:lvl4pPr marL="1600200" indent="-228600" algn="l" defTabSz="914400" rtl="0" eaLnBrk="1" fontAlgn="auto" latinLnBrk="0" hangingPunct="1">
+              <a:lnSpc>
+                <a:spcPct val="130000"/>
+              </a:lnSpc>
+              <a:spcBef>
+                <a:spcPts val="0"/>
+              </a:spcBef>
+              <a:spcAft>
+                <a:spcPts val="1000"/>
+              </a:spcAft>
+              <a:buFont typeface="Arial" panose="020B0604020202020204" pitchFamily="34" charset="0"/>
+              <a:buChar char="•"/>
+              <a:defRPr sz="1600" u="none" strike="noStrike" kern="1200" cap="none" spc="150" normalizeH="0" baseline="0">
+                <a:solidFill>
+                  <a:schemeClr val="tx1"/>
+                </a:solidFill>
+                <a:uFillTx/>
+                <a:latin typeface="微软雅黑" panose="020B0503020204020204" charset="-122"/>
+                <a:ea typeface="微软雅黑" panose="020B0503020204020204" charset="-122"/>
+                <a:cs typeface="+mn-cs"/>
+              </a:defRPr>
+            </a:lvl4pPr>
+            <a:lvl5pPr marL="2057400" indent="-228600" algn="l" defTabSz="914400" rtl="0" eaLnBrk="1" fontAlgn="auto" latinLnBrk="0" hangingPunct="1">
+              <a:lnSpc>
+                <a:spcPct val="130000"/>
+              </a:lnSpc>
+              <a:spcBef>
+                <a:spcPts val="0"/>
+              </a:spcBef>
+              <a:spcAft>
+                <a:spcPts val="1000"/>
+              </a:spcAft>
+              <a:buFont typeface="Arial" panose="020B0604020202020204" pitchFamily="34" charset="0"/>
+              <a:buChar char="•"/>
+              <a:defRPr sz="1600" u="none" strike="noStrike" kern="1200" cap="none" spc="150" normalizeH="0" baseline="0">
+                <a:solidFill>
+                  <a:schemeClr val="tx1"/>
+                </a:solidFill>
+                <a:uFillTx/>
+                <a:latin typeface="微软雅黑" panose="020B0503020204020204" charset="-122"/>
+                <a:ea typeface="微软雅黑" panose="020B0503020204020204" charset="-122"/>
+                <a:cs typeface="+mn-cs"/>
+              </a:defRPr>
+            </a:lvl5pPr>
+            <a:lvl6pPr marL="2514600" indent="-228600" algn="l" defTabSz="914400" rtl="0" eaLnBrk="1" latinLnBrk="0" hangingPunct="1">
+              <a:lnSpc>
+                <a:spcPct val="90000"/>
+              </a:lnSpc>
+              <a:spcBef>
+                <a:spcPts val="500"/>
+              </a:spcBef>
+              <a:buFont typeface="Arial" panose="020B0604020202020204" pitchFamily="34" charset="0"/>
+              <a:buChar char="•"/>
+              <a:defRPr sz="1800" kern="1200">
+                <a:solidFill>
+                  <a:schemeClr val="tx1"/>
+                </a:solidFill>
+                <a:latin typeface="+mn-lt"/>
+                <a:ea typeface="+mn-ea"/>
+                <a:cs typeface="+mn-cs"/>
+              </a:defRPr>
+            </a:lvl6pPr>
+            <a:lvl7pPr marL="2971800" indent="-228600" algn="l" defTabSz="914400" rtl="0" eaLnBrk="1" latinLnBrk="0" hangingPunct="1">
+              <a:lnSpc>
+                <a:spcPct val="90000"/>
+              </a:lnSpc>
+              <a:spcBef>
+                <a:spcPts val="500"/>
+              </a:spcBef>
+              <a:buFont typeface="Arial" panose="020B0604020202020204" pitchFamily="34" charset="0"/>
+              <a:buChar char="•"/>
+              <a:defRPr sz="1800" kern="1200">
+                <a:solidFill>
+                  <a:schemeClr val="tx1"/>
+                </a:solidFill>
+                <a:latin typeface="+mn-lt"/>
+                <a:ea typeface="+mn-ea"/>
+                <a:cs typeface="+mn-cs"/>
+              </a:defRPr>
+            </a:lvl7pPr>
+            <a:lvl8pPr marL="3429000" indent="-228600" algn="l" defTabSz="914400" rtl="0" eaLnBrk="1" latinLnBrk="0" hangingPunct="1">
+              <a:lnSpc>
+                <a:spcPct val="90000"/>
+              </a:lnSpc>
+              <a:spcBef>
+                <a:spcPts val="500"/>
+              </a:spcBef>
+              <a:buFont typeface="Arial" panose="020B0604020202020204" pitchFamily="34" charset="0"/>
+              <a:buChar char="•"/>
+              <a:defRPr sz="1800" kern="1200">
+                <a:solidFill>
+                  <a:schemeClr val="tx1"/>
+                </a:solidFill>
+                <a:latin typeface="+mn-lt"/>
+                <a:ea typeface="+mn-ea"/>
+                <a:cs typeface="+mn-cs"/>
+              </a:defRPr>
+            </a:lvl8pPr>
+            <a:lvl9pPr marL="3886200" indent="-228600" algn="l" defTabSz="914400" rtl="0" eaLnBrk="1" latinLnBrk="0" hangingPunct="1">
+              <a:lnSpc>
+                <a:spcPct val="90000"/>
+              </a:lnSpc>
+              <a:spcBef>
+                <a:spcPts val="500"/>
+              </a:spcBef>
+              <a:buFont typeface="Arial" panose="020B0604020202020204" pitchFamily="34" charset="0"/>
+              <a:buChar char="•"/>
+              <a:defRPr sz="1800" kern="1200">
+                <a:solidFill>
+                  <a:schemeClr val="tx1"/>
+                </a:solidFill>
+                <a:latin typeface="+mn-lt"/>
+                <a:ea typeface="+mn-ea"/>
+                <a:cs typeface="+mn-cs"/>
+              </a:defRPr>
+            </a:lvl9pPr>
+          </a:lstStyle>
+          <a:p>
+            <a:pPr marR="0" lvl="0" indent="0" algn="just" defTabSz="914400" rtl="0" eaLnBrk="1" fontAlgn="auto" latinLnBrk="0" hangingPunct="1">
+              <a:lnSpc>
+                <a:spcPct val="130000"/>
+              </a:lnSpc>
+              <a:spcBef>
+                <a:spcPts val="0"/>
+              </a:spcBef>
+              <a:spcAft>
+                <a:spcPts val="800"/>
+              </a:spcAft>
+              <a:buClrTx/>
+              <a:buSzTx/>
+              <a:buFont typeface="Arial" panose="020B0604020202020204" pitchFamily="34" charset="0"/>
+              <a:buNone/>
+              <a:defRPr/>
+            </a:pPr>
+            <a:r>
+              <a:rPr lang="zh-CN" altLang="en-US" spc="0" dirty="0">
+                <a:solidFill>
+                  <a:schemeClr val="tx1">
+                    <a:lumMod val="65000"/>
+                    <a:lumOff val="35000"/>
+                  </a:schemeClr>
+                </a:solidFill>
+                <a:latin typeface="隶书" panose="02010509060101010101" charset="-122"/>
+                <a:ea typeface="隶书" panose="02010509060101010101" charset="-122"/>
+              </a:rPr>
+              <a:t>先找到eureka-client包下的spring.factories文件中的EurekaClientAutoConfiguration配置类；</a:t>
+            </a:r>
+            <a:endParaRPr lang="zh-CN" altLang="en-US" spc="0" dirty="0">
+              <a:solidFill>
+                <a:schemeClr val="tx1">
+                  <a:lumMod val="65000"/>
+                  <a:lumOff val="35000"/>
+                </a:schemeClr>
+              </a:solidFill>
+              <a:latin typeface="隶书" panose="02010509060101010101" charset="-122"/>
+              <a:ea typeface="隶书" panose="02010509060101010101" charset="-122"/>
+            </a:endParaRPr>
+          </a:p>
+          <a:p>
+            <a:pPr marR="0" lvl="0" indent="0" algn="just" defTabSz="914400" rtl="0" eaLnBrk="1" fontAlgn="auto" latinLnBrk="0" hangingPunct="1">
+              <a:lnSpc>
+                <a:spcPct val="130000"/>
+              </a:lnSpc>
+              <a:spcBef>
+                <a:spcPts val="0"/>
+              </a:spcBef>
+              <a:spcAft>
+                <a:spcPts val="800"/>
+              </a:spcAft>
+              <a:buClrTx/>
+              <a:buSzTx/>
+              <a:buFont typeface="Arial" panose="020B0604020202020204" pitchFamily="34" charset="0"/>
+              <a:buNone/>
+              <a:defRPr/>
+            </a:pPr>
+            <a:r>
+              <a:rPr lang="en-US" altLang="zh-CN" spc="0" dirty="0">
+                <a:solidFill>
+                  <a:schemeClr val="tx1">
+                    <a:lumMod val="65000"/>
+                    <a:lumOff val="35000"/>
+                  </a:schemeClr>
+                </a:solidFill>
+                <a:latin typeface="隶书" panose="02010509060101010101" charset="-122"/>
+                <a:ea typeface="隶书" panose="02010509060101010101" charset="-122"/>
+              </a:rPr>
+              <a:t>.eurekaInstanceConfigBean</a:t>
+            </a:r>
+            <a:r>
+              <a:rPr lang="zh-CN" altLang="en-US" spc="0" dirty="0">
+                <a:solidFill>
+                  <a:schemeClr val="tx1">
+                    <a:lumMod val="65000"/>
+                    <a:lumOff val="35000"/>
+                  </a:schemeClr>
+                </a:solidFill>
+                <a:latin typeface="隶书" panose="02010509060101010101" charset="-122"/>
+                <a:ea typeface="隶书" panose="02010509060101010101" charset="-122"/>
+              </a:rPr>
+              <a:t>，读取配置文件到EurekaInstanceConfigBean对象中，并且有@bean注册到ioc的容器中；</a:t>
+            </a:r>
+            <a:endParaRPr lang="zh-CN" altLang="en-US" spc="0" dirty="0">
+              <a:solidFill>
+                <a:schemeClr val="tx1">
+                  <a:lumMod val="65000"/>
+                  <a:lumOff val="35000"/>
+                </a:schemeClr>
+              </a:solidFill>
+              <a:latin typeface="隶书" panose="02010509060101010101" charset="-122"/>
+              <a:ea typeface="隶书" panose="02010509060101010101" charset="-122"/>
+            </a:endParaRPr>
+          </a:p>
+          <a:p>
+            <a:pPr marR="0" lvl="0" indent="0" algn="just" defTabSz="914400" rtl="0" eaLnBrk="1" fontAlgn="auto" latinLnBrk="0" hangingPunct="1">
+              <a:lnSpc>
+                <a:spcPct val="130000"/>
+              </a:lnSpc>
+              <a:spcBef>
+                <a:spcPts val="0"/>
+              </a:spcBef>
+              <a:spcAft>
+                <a:spcPts val="800"/>
+              </a:spcAft>
+              <a:buClrTx/>
+              <a:buSzTx/>
+              <a:buFont typeface="Arial" panose="020B0604020202020204" pitchFamily="34" charset="0"/>
+              <a:buNone/>
+              <a:defRPr/>
+            </a:pPr>
+            <a:r>
+              <a:rPr lang="en-US" altLang="zh-CN" spc="0" dirty="0">
+                <a:solidFill>
+                  <a:schemeClr val="tx1">
+                    <a:lumMod val="65000"/>
+                    <a:lumOff val="35000"/>
+                  </a:schemeClr>
+                </a:solidFill>
+                <a:latin typeface="隶书" panose="02010509060101010101" charset="-122"/>
+                <a:ea typeface="隶书" panose="02010509060101010101" charset="-122"/>
+              </a:rPr>
+              <a:t>.eurekaClient</a:t>
+            </a:r>
+            <a:r>
+              <a:rPr lang="zh-CN" altLang="en-US" spc="0" dirty="0">
+                <a:solidFill>
+                  <a:schemeClr val="tx1">
+                    <a:lumMod val="65000"/>
+                    <a:lumOff val="35000"/>
+                  </a:schemeClr>
+                </a:solidFill>
+                <a:latin typeface="隶书" panose="02010509060101010101" charset="-122"/>
+                <a:ea typeface="隶书" panose="02010509060101010101" charset="-122"/>
+              </a:rPr>
+              <a:t>，</a:t>
+            </a:r>
+            <a:r>
+              <a:rPr lang="en-US" altLang="zh-CN" spc="0" dirty="0">
+                <a:solidFill>
+                  <a:schemeClr val="tx1">
+                    <a:lumMod val="65000"/>
+                    <a:lumOff val="35000"/>
+                  </a:schemeClr>
+                </a:solidFill>
+                <a:latin typeface="隶书" panose="02010509060101010101" charset="-122"/>
+                <a:ea typeface="隶书" panose="02010509060101010101" charset="-122"/>
+              </a:rPr>
+              <a:t>return CloudEurekaClient -&gt; DiscoveryClient</a:t>
+            </a:r>
+            <a:r>
+              <a:rPr lang="zh-CN" altLang="en-US" spc="0" dirty="0">
+                <a:solidFill>
+                  <a:schemeClr val="tx1">
+                    <a:lumMod val="65000"/>
+                    <a:lumOff val="35000"/>
+                  </a:schemeClr>
+                </a:solidFill>
+                <a:latin typeface="隶书" panose="02010509060101010101" charset="-122"/>
+                <a:ea typeface="隶书" panose="02010509060101010101" charset="-122"/>
+              </a:rPr>
+              <a:t>；</a:t>
+            </a:r>
+            <a:endParaRPr lang="zh-CN" altLang="en-US" spc="0" dirty="0">
+              <a:solidFill>
+                <a:schemeClr val="tx1">
+                  <a:lumMod val="65000"/>
+                  <a:lumOff val="35000"/>
+                </a:schemeClr>
+              </a:solidFill>
+              <a:latin typeface="隶书" panose="02010509060101010101" charset="-122"/>
+              <a:ea typeface="隶书" panose="02010509060101010101" charset="-122"/>
+            </a:endParaRPr>
+          </a:p>
+          <a:p>
+            <a:pPr marR="0" lvl="0" indent="0" algn="just" defTabSz="914400" rtl="0" eaLnBrk="1" fontAlgn="auto" latinLnBrk="0" hangingPunct="1">
+              <a:lnSpc>
+                <a:spcPct val="130000"/>
+              </a:lnSpc>
+              <a:spcBef>
+                <a:spcPts val="0"/>
+              </a:spcBef>
+              <a:spcAft>
+                <a:spcPts val="800"/>
+              </a:spcAft>
+              <a:buClrTx/>
+              <a:buSzTx/>
+              <a:buFont typeface="Arial" panose="020B0604020202020204" pitchFamily="34" charset="0"/>
+              <a:buNone/>
+              <a:defRPr/>
+            </a:pPr>
+            <a:endParaRPr lang="zh-CN" altLang="en-US" spc="0" dirty="0">
+              <a:solidFill>
+                <a:schemeClr val="tx1">
+                  <a:lumMod val="65000"/>
+                  <a:lumOff val="35000"/>
+                </a:schemeClr>
+              </a:solidFill>
+              <a:latin typeface="隶书" panose="02010509060101010101" charset="-122"/>
+              <a:ea typeface="隶书" panose="02010509060101010101" charset="-122"/>
+            </a:endParaRPr>
+          </a:p>
+          <a:p>
+            <a:pPr marR="0" lvl="0" indent="0" algn="just" defTabSz="914400" rtl="0" eaLnBrk="1" fontAlgn="auto" latinLnBrk="0" hangingPunct="1">
+              <a:lnSpc>
+                <a:spcPct val="130000"/>
+              </a:lnSpc>
+              <a:spcBef>
+                <a:spcPts val="0"/>
+              </a:spcBef>
+              <a:spcAft>
+                <a:spcPts val="800"/>
+              </a:spcAft>
+              <a:buClrTx/>
+              <a:buSzTx/>
+              <a:buFont typeface="Arial" panose="020B0604020202020204" pitchFamily="34" charset="0"/>
+              <a:buNone/>
+              <a:defRPr/>
+            </a:pPr>
+            <a:r>
+              <a:rPr lang="en-US" altLang="zh-CN" b="1" spc="0" dirty="0">
+                <a:solidFill>
+                  <a:schemeClr val="tx1">
+                    <a:lumMod val="65000"/>
+                    <a:lumOff val="35000"/>
+                  </a:schemeClr>
+                </a:solidFill>
+                <a:latin typeface="隶书" panose="02010509060101010101" charset="-122"/>
+                <a:ea typeface="隶书" panose="02010509060101010101" charset="-122"/>
+                <a:sym typeface="+mn-ea"/>
+              </a:rPr>
+              <a:t>DiscoveryClient</a:t>
+            </a:r>
+            <a:endParaRPr lang="en-US" altLang="zh-CN" spc="0" dirty="0">
+              <a:solidFill>
+                <a:schemeClr val="tx1">
+                  <a:lumMod val="65000"/>
+                  <a:lumOff val="35000"/>
+                </a:schemeClr>
+              </a:solidFill>
+              <a:latin typeface="隶书" panose="02010509060101010101" charset="-122"/>
+              <a:ea typeface="隶书" panose="02010509060101010101" charset="-122"/>
+              <a:sym typeface="+mn-ea"/>
+            </a:endParaRPr>
+          </a:p>
+          <a:p>
+            <a:pPr marR="0" lvl="0" indent="0" algn="just" defTabSz="914400" rtl="0" eaLnBrk="1" fontAlgn="auto" latinLnBrk="0" hangingPunct="1">
+              <a:lnSpc>
+                <a:spcPct val="130000"/>
+              </a:lnSpc>
+              <a:spcBef>
+                <a:spcPts val="0"/>
+              </a:spcBef>
+              <a:spcAft>
+                <a:spcPts val="800"/>
+              </a:spcAft>
+              <a:buClrTx/>
+              <a:buSzTx/>
+              <a:buFont typeface="Arial" panose="020B0604020202020204" pitchFamily="34" charset="0"/>
+              <a:buNone/>
+              <a:defRPr/>
+            </a:pPr>
+            <a:r>
+              <a:rPr lang="zh-CN" altLang="en-US" spc="0" dirty="0">
+                <a:solidFill>
+                  <a:schemeClr val="tx1">
+                    <a:lumMod val="65000"/>
+                    <a:lumOff val="35000"/>
+                  </a:schemeClr>
+                </a:solidFill>
+                <a:latin typeface="隶书" panose="02010509060101010101" charset="-122"/>
+                <a:ea typeface="隶书" panose="02010509060101010101" charset="-122"/>
+              </a:rPr>
+              <a:t>class HeartbeatThread implements Runnable </a:t>
+            </a:r>
+            <a:endParaRPr lang="zh-CN" altLang="en-US" spc="0" dirty="0">
+              <a:solidFill>
+                <a:schemeClr val="tx1">
+                  <a:lumMod val="65000"/>
+                  <a:lumOff val="35000"/>
+                </a:schemeClr>
+              </a:solidFill>
+              <a:latin typeface="隶书" panose="02010509060101010101" charset="-122"/>
+              <a:ea typeface="隶书" panose="02010509060101010101" charset="-122"/>
+            </a:endParaRPr>
+          </a:p>
+          <a:p>
+            <a:pPr marR="0" lvl="0" indent="0" algn="just" defTabSz="914400" rtl="0" eaLnBrk="1" fontAlgn="auto" latinLnBrk="0" hangingPunct="1">
+              <a:lnSpc>
+                <a:spcPct val="130000"/>
+              </a:lnSpc>
+              <a:spcBef>
+                <a:spcPts val="0"/>
+              </a:spcBef>
+              <a:spcAft>
+                <a:spcPts val="800"/>
+              </a:spcAft>
+              <a:buClrTx/>
+              <a:buSzTx/>
+              <a:buFont typeface="Arial" panose="020B0604020202020204" pitchFamily="34" charset="0"/>
+              <a:buNone/>
+              <a:defRPr/>
+            </a:pPr>
+            <a:r>
+              <a:rPr lang="zh-CN" altLang="en-US" spc="0" dirty="0">
+                <a:solidFill>
+                  <a:schemeClr val="tx1">
+                    <a:lumMod val="65000"/>
+                    <a:lumOff val="35000"/>
+                  </a:schemeClr>
+                </a:solidFill>
+                <a:latin typeface="隶书" panose="02010509060101010101" charset="-122"/>
+                <a:ea typeface="隶书" panose="02010509060101010101" charset="-122"/>
+              </a:rPr>
+              <a:t>boolean renew() 心跳机制</a:t>
+            </a:r>
+            <a:endParaRPr lang="zh-CN" altLang="en-US" spc="0" dirty="0">
+              <a:solidFill>
+                <a:schemeClr val="tx1">
+                  <a:lumMod val="65000"/>
+                  <a:lumOff val="35000"/>
+                </a:schemeClr>
+              </a:solidFill>
+              <a:latin typeface="隶书" panose="02010509060101010101" charset="-122"/>
+              <a:ea typeface="隶书" panose="02010509060101010101" charset="-122"/>
+            </a:endParaRPr>
+          </a:p>
+          <a:p>
+            <a:pPr marR="0" lvl="0" indent="0" algn="just" defTabSz="914400" rtl="0" eaLnBrk="1" fontAlgn="auto" latinLnBrk="0" hangingPunct="1">
+              <a:lnSpc>
+                <a:spcPct val="130000"/>
+              </a:lnSpc>
+              <a:spcBef>
+                <a:spcPts val="0"/>
+              </a:spcBef>
+              <a:spcAft>
+                <a:spcPts val="800"/>
+              </a:spcAft>
+              <a:buClrTx/>
+              <a:buSzTx/>
+              <a:buFont typeface="Arial" panose="020B0604020202020204" pitchFamily="34" charset="0"/>
+              <a:buNone/>
+              <a:defRPr/>
+            </a:pPr>
+            <a:r>
+              <a:rPr lang="zh-CN" altLang="en-US" spc="0" dirty="0">
+                <a:solidFill>
+                  <a:schemeClr val="tx1">
+                    <a:lumMod val="65000"/>
+                    <a:lumOff val="35000"/>
+                  </a:schemeClr>
+                </a:solidFill>
+                <a:latin typeface="隶书" panose="02010509060101010101" charset="-122"/>
+                <a:ea typeface="隶书" panose="02010509060101010101" charset="-122"/>
+              </a:rPr>
+              <a:t>void refreshDataCenterInfoIfRequired() 服务注册</a:t>
+            </a:r>
+            <a:endParaRPr lang="zh-CN" altLang="en-US" spc="0" dirty="0">
+              <a:solidFill>
+                <a:schemeClr val="tx1">
+                  <a:lumMod val="65000"/>
+                  <a:lumOff val="35000"/>
+                </a:schemeClr>
+              </a:solidFill>
+              <a:latin typeface="隶书" panose="02010509060101010101" charset="-122"/>
+              <a:ea typeface="隶书" panose="02010509060101010101" charset="-122"/>
+            </a:endParaRPr>
+          </a:p>
+          <a:p>
+            <a:pPr marR="0" lvl="0" indent="0" algn="just" defTabSz="914400" rtl="0" eaLnBrk="1" fontAlgn="auto" latinLnBrk="0" hangingPunct="1">
+              <a:lnSpc>
+                <a:spcPct val="130000"/>
+              </a:lnSpc>
+              <a:spcBef>
+                <a:spcPts val="0"/>
+              </a:spcBef>
+              <a:spcAft>
+                <a:spcPts val="800"/>
+              </a:spcAft>
+              <a:buClrTx/>
+              <a:buSzTx/>
+              <a:buFont typeface="Arial" panose="020B0604020202020204" pitchFamily="34" charset="0"/>
+              <a:buNone/>
+              <a:defRPr/>
+            </a:pPr>
+            <a:r>
+              <a:rPr lang="zh-CN" altLang="en-US" spc="0" dirty="0">
+                <a:solidFill>
+                  <a:schemeClr val="tx1">
+                    <a:lumMod val="65000"/>
+                    <a:lumOff val="35000"/>
+                  </a:schemeClr>
+                </a:solidFill>
+                <a:latin typeface="隶书" panose="02010509060101010101" charset="-122"/>
+                <a:ea typeface="隶书" panose="02010509060101010101" charset="-122"/>
+              </a:rPr>
+              <a:t>void refreshLeaseInfoIfRequired()</a:t>
+            </a:r>
+            <a:endParaRPr lang="zh-CN" altLang="en-US" spc="0" dirty="0">
+              <a:solidFill>
+                <a:schemeClr val="tx1">
+                  <a:lumMod val="65000"/>
+                  <a:lumOff val="35000"/>
+                </a:schemeClr>
+              </a:solidFill>
+              <a:latin typeface="隶书" panose="02010509060101010101" charset="-122"/>
+              <a:ea typeface="隶书" panose="02010509060101010101" charset="-122"/>
+            </a:endParaRPr>
+          </a:p>
+          <a:p>
+            <a:pPr marR="0" lvl="0" indent="0" algn="just" defTabSz="914400" rtl="0" eaLnBrk="1" fontAlgn="auto" latinLnBrk="0" hangingPunct="1">
+              <a:lnSpc>
+                <a:spcPct val="130000"/>
+              </a:lnSpc>
+              <a:spcBef>
+                <a:spcPts val="0"/>
+              </a:spcBef>
+              <a:spcAft>
+                <a:spcPts val="800"/>
+              </a:spcAft>
+              <a:buClrTx/>
+              <a:buSzTx/>
+              <a:buFont typeface="Arial" panose="020B0604020202020204" pitchFamily="34" charset="0"/>
+              <a:buNone/>
+              <a:defRPr/>
+            </a:pPr>
+            <a:r>
+              <a:rPr lang="zh-CN" altLang="en-US" spc="0" dirty="0">
+                <a:solidFill>
+                  <a:schemeClr val="tx1">
+                    <a:lumMod val="65000"/>
+                    <a:lumOff val="35000"/>
+                  </a:schemeClr>
+                </a:solidFill>
+                <a:latin typeface="隶书" panose="02010509060101010101" charset="-122"/>
+                <a:ea typeface="隶书" panose="02010509060101010101" charset="-122"/>
+              </a:rPr>
+              <a:t>void shutdown() 服务下架</a:t>
+            </a:r>
+            <a:endParaRPr lang="zh-CN" altLang="en-US" spc="0" dirty="0">
+              <a:solidFill>
+                <a:schemeClr val="tx1">
+                  <a:lumMod val="65000"/>
+                  <a:lumOff val="35000"/>
+                </a:schemeClr>
+              </a:solidFill>
+              <a:latin typeface="隶书" panose="02010509060101010101" charset="-122"/>
+              <a:ea typeface="隶书" panose="02010509060101010101" charset="-122"/>
+            </a:endParaRPr>
+          </a:p>
+          <a:p>
+            <a:pPr marR="0" lvl="0" indent="0" algn="just" defTabSz="914400" rtl="0" eaLnBrk="1" fontAlgn="auto" latinLnBrk="0" hangingPunct="1">
+              <a:lnSpc>
+                <a:spcPct val="130000"/>
+              </a:lnSpc>
+              <a:spcBef>
+                <a:spcPts val="0"/>
+              </a:spcBef>
+              <a:spcAft>
+                <a:spcPts val="800"/>
+              </a:spcAft>
+              <a:buClrTx/>
+              <a:buSzTx/>
+              <a:buFont typeface="Arial" panose="020B0604020202020204" pitchFamily="34" charset="0"/>
+              <a:buNone/>
+              <a:defRPr/>
+            </a:pPr>
+            <a:r>
+              <a:rPr lang="zh-CN" altLang="en-US" spc="0" dirty="0">
+                <a:solidFill>
+                  <a:schemeClr val="tx1">
+                    <a:lumMod val="65000"/>
+                    <a:lumOff val="35000"/>
+                  </a:schemeClr>
+                </a:solidFill>
+                <a:latin typeface="隶书" panose="02010509060101010101" charset="-122"/>
+                <a:ea typeface="隶书" panose="02010509060101010101" charset="-122"/>
+              </a:rPr>
+              <a:t>void getAndStoreFullRegistry() 服务获取</a:t>
+            </a:r>
+            <a:endParaRPr lang="zh-CN" altLang="en-US" spc="0" dirty="0">
+              <a:solidFill>
+                <a:schemeClr val="tx1">
+                  <a:lumMod val="65000"/>
+                  <a:lumOff val="35000"/>
+                </a:schemeClr>
+              </a:solidFill>
+              <a:latin typeface="隶书" panose="02010509060101010101" charset="-122"/>
+              <a:ea typeface="隶书" panose="02010509060101010101" charset="-122"/>
+            </a:endParaRPr>
+          </a:p>
+          <a:p>
+            <a:pPr marR="0" lvl="0" indent="0" algn="just" defTabSz="914400" rtl="0" eaLnBrk="1" fontAlgn="auto" latinLnBrk="0" hangingPunct="1">
+              <a:lnSpc>
+                <a:spcPct val="130000"/>
+              </a:lnSpc>
+              <a:spcBef>
+                <a:spcPts val="0"/>
+              </a:spcBef>
+              <a:spcAft>
+                <a:spcPts val="800"/>
+              </a:spcAft>
+              <a:buClrTx/>
+              <a:buSzTx/>
+              <a:buFont typeface="Arial" panose="020B0604020202020204" pitchFamily="34" charset="0"/>
+              <a:buNone/>
+              <a:defRPr/>
+            </a:pPr>
+            <a:endParaRPr lang="zh-CN" altLang="en-US" spc="0" dirty="0">
+              <a:solidFill>
+                <a:schemeClr val="tx1">
+                  <a:lumMod val="65000"/>
+                  <a:lumOff val="35000"/>
+                </a:schemeClr>
+              </a:solidFill>
+              <a:latin typeface="隶书" panose="02010509060101010101" charset="-122"/>
+              <a:ea typeface="隶书" panose="02010509060101010101" charset="-122"/>
+            </a:endParaRPr>
+          </a:p>
+        </p:txBody>
+      </p:sp>
+      <p:sp>
+        <p:nvSpPr>
+          <p:cNvPr id="3" name="文本框 2"/>
+          <p:cNvSpPr txBox="1"/>
+          <p:nvPr>
+            <p:custDataLst>
+              <p:tags r:id="rId2"/>
+            </p:custDataLst>
+          </p:nvPr>
+        </p:nvSpPr>
+        <p:spPr>
+          <a:xfrm>
+            <a:off x="608400" y="608400"/>
+            <a:ext cx="10970823" cy="706755"/>
+          </a:xfrm>
+          <a:prstGeom prst="rect">
+            <a:avLst/>
+          </a:prstGeom>
+        </p:spPr>
+        <p:txBody>
+          <a:bodyPr vert="horz" lIns="90170" tIns="46990" rIns="90170" bIns="46990" rtlCol="0" anchor="ctr" anchorCtr="0">
+            <a:normAutofit/>
+          </a:bodyPr>
+          <a:lstStyle>
+            <a:lvl1pPr marR="0" fontAlgn="auto">
+              <a:lnSpc>
+                <a:spcPct val="100000"/>
+              </a:lnSpc>
+              <a:spcBef>
+                <a:spcPct val="0"/>
+              </a:spcBef>
+              <a:buNone/>
+              <a:defRPr kumimoji="0" lang="zh-CN" altLang="en-US" sz="3600" b="1" i="0" u="none" strike="noStrike" cap="none" spc="300" normalizeH="0" baseline="0" noProof="1" dirty="0">
+                <a:solidFill>
+                  <a:schemeClr val="tx1">
+                    <a:lumMod val="85000"/>
+                    <a:lumOff val="15000"/>
+                  </a:schemeClr>
+                </a:solidFill>
+                <a:uFillTx/>
+                <a:latin typeface="微软雅黑" panose="020B0503020204020204" charset="-122"/>
+                <a:ea typeface="微软雅黑" panose="020B0503020204020204" charset="-122"/>
+                <a:cs typeface="+mj-cs"/>
+                <a:sym typeface="+mn-ea"/>
+              </a:defRPr>
+            </a:lvl1pPr>
+          </a:lstStyle>
+          <a:p>
+            <a:r>
+              <a:rPr dirty="0">
+                <a:solidFill>
+                  <a:schemeClr val="tx1">
+                    <a:lumMod val="85000"/>
+                    <a:lumOff val="15000"/>
+                  </a:schemeClr>
+                </a:solidFill>
+                <a:uFillTx/>
+                <a:latin typeface="隶书" panose="02010509060101010101" charset="-122"/>
+                <a:ea typeface="隶书" panose="02010509060101010101" charset="-122"/>
+              </a:rPr>
+              <a:t>客户端源码</a:t>
+            </a:r>
+            <a:endParaRPr dirty="0">
+              <a:solidFill>
+                <a:schemeClr val="tx1">
+                  <a:lumMod val="85000"/>
+                  <a:lumOff val="15000"/>
+                </a:schemeClr>
+              </a:solidFill>
+              <a:uFillTx/>
+              <a:latin typeface="隶书" panose="02010509060101010101" charset="-122"/>
+              <a:ea typeface="隶书" panose="02010509060101010101" charset="-122"/>
+            </a:endParaRPr>
+          </a:p>
+        </p:txBody>
+      </p:sp>
+    </p:spTree>
+    <p:custDataLst>
+      <p:tags r:id="rId3"/>
+    </p:custDataLst>
+  </p:cSld>
+  <p:clrMapOvr>
+    <a:masterClrMapping/>
+  </p:clrMapOvr>
+</p:sld>
+</file>
+
+<file path=ppt/slides/slide4.xml><?xml version="1.0" encoding="utf-8"?>
+<p:sld xmlns:a="http://schemas.openxmlformats.org/drawingml/2006/main" xmlns:r="http://schemas.openxmlformats.org/officeDocument/2006/relationships" xmlns:p="http://schemas.openxmlformats.org/presentationml/2006/main">
+  <p:cSld>
+    <p:spTree>
+      <p:nvGrpSpPr>
+        <p:cNvPr id="1" name=""/>
+        <p:cNvGrpSpPr/>
+        <p:nvPr/>
+      </p:nvGrpSpPr>
+      <p:grpSpPr>
+        <a:xfrm>
+          <a:off x="0" y="0"/>
+          <a:ext cx="0" cy="0"/>
+          <a:chOff x="0" y="0"/>
+          <a:chExt cx="0" cy="0"/>
+        </a:xfrm>
+      </p:grpSpPr>
+      <p:sp>
+        <p:nvSpPr>
+          <p:cNvPr id="2" name="内容占位符 1"/>
+          <p:cNvSpPr txBox="1"/>
+          <p:nvPr>
+            <p:custDataLst>
+              <p:tags r:id="rId1"/>
+            </p:custDataLst>
+          </p:nvPr>
+        </p:nvSpPr>
+        <p:spPr>
+          <a:xfrm>
+            <a:off x="608400" y="1491101"/>
+            <a:ext cx="10970190" cy="4758499"/>
+          </a:xfrm>
+          <a:prstGeom prst="rect">
+            <a:avLst/>
+          </a:prstGeom>
+        </p:spPr>
+        <p:txBody>
+          <a:bodyPr>
+            <a:normAutofit/>
+          </a:bodyPr>
+          <a:lstStyle>
+            <a:lvl1pPr marL="228600" indent="-228600" algn="l" defTabSz="914400" rtl="0" eaLnBrk="1" fontAlgn="auto" latinLnBrk="0" hangingPunct="1">
+              <a:lnSpc>
+                <a:spcPct val="130000"/>
+              </a:lnSpc>
+              <a:spcBef>
+                <a:spcPts val="0"/>
+              </a:spcBef>
+              <a:spcAft>
+                <a:spcPts val="1000"/>
+              </a:spcAft>
+              <a:buFont typeface="Arial" panose="020B0604020202020204" pitchFamily="34" charset="0"/>
+              <a:buChar char="•"/>
+              <a:defRPr sz="1600" u="none" strike="noStrike" kern="1200" cap="none" spc="150" normalizeH="0" baseline="0">
+                <a:solidFill>
+                  <a:schemeClr val="tx1"/>
+                </a:solidFill>
+                <a:uFillTx/>
+                <a:latin typeface="微软雅黑" panose="020B0503020204020204" charset="-122"/>
+                <a:ea typeface="微软雅黑" panose="020B0503020204020204" charset="-122"/>
+                <a:cs typeface="+mn-cs"/>
+              </a:defRPr>
+            </a:lvl1pPr>
+            <a:lvl2pPr marL="685800" indent="-228600" algn="l" defTabSz="914400" rtl="0" eaLnBrk="1" fontAlgn="auto" latinLnBrk="0" hangingPunct="1">
+              <a:lnSpc>
+                <a:spcPct val="130000"/>
+              </a:lnSpc>
+              <a:spcBef>
+                <a:spcPts val="0"/>
+              </a:spcBef>
+              <a:spcAft>
+                <a:spcPts val="1000"/>
+              </a:spcAft>
+              <a:buFont typeface="Arial" panose="020B0604020202020204" pitchFamily="34" charset="0"/>
+              <a:buChar char="•"/>
+              <a:tabLst>
+                <a:tab pos="1609725" algn="l"/>
+              </a:tabLst>
+              <a:defRPr sz="1600" u="none" strike="noStrike" kern="1200" cap="none" spc="150" normalizeH="0" baseline="0">
+                <a:solidFill>
+                  <a:schemeClr val="tx1"/>
+                </a:solidFill>
+                <a:uFillTx/>
+                <a:latin typeface="微软雅黑" panose="020B0503020204020204" charset="-122"/>
+                <a:ea typeface="微软雅黑" panose="020B0503020204020204" charset="-122"/>
+                <a:cs typeface="+mn-cs"/>
+              </a:defRPr>
+            </a:lvl2pPr>
+            <a:lvl3pPr marL="1143000" indent="-228600" algn="l" defTabSz="914400" rtl="0" eaLnBrk="1" fontAlgn="auto" latinLnBrk="0" hangingPunct="1">
+              <a:lnSpc>
+                <a:spcPct val="130000"/>
+              </a:lnSpc>
+              <a:spcBef>
+                <a:spcPts val="0"/>
+              </a:spcBef>
+              <a:spcAft>
+                <a:spcPts val="1000"/>
+              </a:spcAft>
+              <a:buFont typeface="Arial" panose="020B0604020202020204" pitchFamily="34" charset="0"/>
+              <a:buChar char="•"/>
+              <a:defRPr sz="1600" u="none" strike="noStrike" kern="1200" cap="none" spc="150" normalizeH="0" baseline="0">
+                <a:solidFill>
+                  <a:schemeClr val="tx1"/>
+                </a:solidFill>
+                <a:uFillTx/>
+                <a:latin typeface="微软雅黑" panose="020B0503020204020204" charset="-122"/>
+                <a:ea typeface="微软雅黑" panose="020B0503020204020204" charset="-122"/>
+                <a:cs typeface="+mn-cs"/>
+              </a:defRPr>
+            </a:lvl3pPr>
+            <a:lvl4pPr marL="1600200" indent="-228600" algn="l" defTabSz="914400" rtl="0" eaLnBrk="1" fontAlgn="auto" latinLnBrk="0" hangingPunct="1">
+              <a:lnSpc>
+                <a:spcPct val="130000"/>
+              </a:lnSpc>
+              <a:spcBef>
+                <a:spcPts val="0"/>
+              </a:spcBef>
+              <a:spcAft>
+                <a:spcPts val="1000"/>
+              </a:spcAft>
+              <a:buFont typeface="Arial" panose="020B0604020202020204" pitchFamily="34" charset="0"/>
+              <a:buChar char="•"/>
+              <a:defRPr sz="1600" u="none" strike="noStrike" kern="1200" cap="none" spc="150" normalizeH="0" baseline="0">
+                <a:solidFill>
+                  <a:schemeClr val="tx1"/>
+                </a:solidFill>
+                <a:uFillTx/>
+                <a:latin typeface="微软雅黑" panose="020B0503020204020204" charset="-122"/>
+                <a:ea typeface="微软雅黑" panose="020B0503020204020204" charset="-122"/>
+                <a:cs typeface="+mn-cs"/>
+              </a:defRPr>
+            </a:lvl4pPr>
+            <a:lvl5pPr marL="2057400" indent="-228600" algn="l" defTabSz="914400" rtl="0" eaLnBrk="1" fontAlgn="auto" latinLnBrk="0" hangingPunct="1">
+              <a:lnSpc>
+                <a:spcPct val="130000"/>
+              </a:lnSpc>
+              <a:spcBef>
+                <a:spcPts val="0"/>
+              </a:spcBef>
+              <a:spcAft>
+                <a:spcPts val="1000"/>
+              </a:spcAft>
+              <a:buFont typeface="Arial" panose="020B0604020202020204" pitchFamily="34" charset="0"/>
+              <a:buChar char="•"/>
+              <a:defRPr sz="1600" u="none" strike="noStrike" kern="1200" cap="none" spc="150" normalizeH="0" baseline="0">
+                <a:solidFill>
+                  <a:schemeClr val="tx1"/>
+                </a:solidFill>
+                <a:uFillTx/>
+                <a:latin typeface="微软雅黑" panose="020B0503020204020204" charset="-122"/>
+                <a:ea typeface="微软雅黑" panose="020B0503020204020204" charset="-122"/>
+                <a:cs typeface="+mn-cs"/>
+              </a:defRPr>
+            </a:lvl5pPr>
+            <a:lvl6pPr marL="2514600" indent="-228600" algn="l" defTabSz="914400" rtl="0" eaLnBrk="1" latinLnBrk="0" hangingPunct="1">
+              <a:lnSpc>
+                <a:spcPct val="90000"/>
+              </a:lnSpc>
+              <a:spcBef>
+                <a:spcPts val="500"/>
+              </a:spcBef>
+              <a:buFont typeface="Arial" panose="020B0604020202020204" pitchFamily="34" charset="0"/>
+              <a:buChar char="•"/>
+              <a:defRPr sz="1800" kern="1200">
+                <a:solidFill>
+                  <a:schemeClr val="tx1"/>
+                </a:solidFill>
+                <a:latin typeface="+mn-lt"/>
+                <a:ea typeface="+mn-ea"/>
+                <a:cs typeface="+mn-cs"/>
+              </a:defRPr>
+            </a:lvl6pPr>
+            <a:lvl7pPr marL="2971800" indent="-228600" algn="l" defTabSz="914400" rtl="0" eaLnBrk="1" latinLnBrk="0" hangingPunct="1">
+              <a:lnSpc>
+                <a:spcPct val="90000"/>
+              </a:lnSpc>
+              <a:spcBef>
+                <a:spcPts val="500"/>
+              </a:spcBef>
+              <a:buFont typeface="Arial" panose="020B0604020202020204" pitchFamily="34" charset="0"/>
+              <a:buChar char="•"/>
+              <a:defRPr sz="1800" kern="1200">
+                <a:solidFill>
+                  <a:schemeClr val="tx1"/>
+                </a:solidFill>
+                <a:latin typeface="+mn-lt"/>
+                <a:ea typeface="+mn-ea"/>
+                <a:cs typeface="+mn-cs"/>
+              </a:defRPr>
+            </a:lvl7pPr>
+            <a:lvl8pPr marL="3429000" indent="-228600" algn="l" defTabSz="914400" rtl="0" eaLnBrk="1" latinLnBrk="0" hangingPunct="1">
+              <a:lnSpc>
+                <a:spcPct val="90000"/>
+              </a:lnSpc>
+              <a:spcBef>
+                <a:spcPts val="500"/>
+              </a:spcBef>
+              <a:buFont typeface="Arial" panose="020B0604020202020204" pitchFamily="34" charset="0"/>
+              <a:buChar char="•"/>
+              <a:defRPr sz="1800" kern="1200">
+                <a:solidFill>
+                  <a:schemeClr val="tx1"/>
+                </a:solidFill>
+                <a:latin typeface="+mn-lt"/>
+                <a:ea typeface="+mn-ea"/>
+                <a:cs typeface="+mn-cs"/>
+              </a:defRPr>
+            </a:lvl8pPr>
+            <a:lvl9pPr marL="3886200" indent="-228600" algn="l" defTabSz="914400" rtl="0" eaLnBrk="1" latinLnBrk="0" hangingPunct="1">
+              <a:lnSpc>
+                <a:spcPct val="90000"/>
+              </a:lnSpc>
+              <a:spcBef>
+                <a:spcPts val="500"/>
+              </a:spcBef>
+              <a:buFont typeface="Arial" panose="020B0604020202020204" pitchFamily="34" charset="0"/>
+              <a:buChar char="•"/>
+              <a:defRPr sz="1800" kern="1200">
+                <a:solidFill>
+                  <a:schemeClr val="tx1"/>
+                </a:solidFill>
+                <a:latin typeface="+mn-lt"/>
+                <a:ea typeface="+mn-ea"/>
+                <a:cs typeface="+mn-cs"/>
+              </a:defRPr>
+            </a:lvl9pPr>
+          </a:lstStyle>
+          <a:p>
+            <a:pPr marR="0" lvl="0" indent="0" algn="just" defTabSz="914400" rtl="0" eaLnBrk="1" fontAlgn="auto" latinLnBrk="0" hangingPunct="1">
+              <a:lnSpc>
+                <a:spcPct val="130000"/>
+              </a:lnSpc>
+              <a:spcBef>
+                <a:spcPts val="0"/>
+              </a:spcBef>
+              <a:spcAft>
+                <a:spcPts val="800"/>
+              </a:spcAft>
+              <a:buClrTx/>
+              <a:buSzTx/>
+              <a:buFont typeface="Arial" panose="020B0604020202020204" pitchFamily="34" charset="0"/>
+              <a:buNone/>
+              <a:defRPr/>
+            </a:pPr>
+            <a:r>
+              <a:rPr lang="zh-CN" altLang="en-US" spc="0" dirty="0">
+                <a:solidFill>
+                  <a:schemeClr val="tx1">
+                    <a:lumMod val="65000"/>
+                    <a:lumOff val="35000"/>
+                  </a:schemeClr>
+                </a:solidFill>
+                <a:latin typeface="隶书" panose="02010509060101010101" charset="-122"/>
+                <a:ea typeface="隶书" panose="02010509060101010101" charset="-122"/>
+              </a:rPr>
+              <a:t>eureka-</a:t>
+            </a:r>
+            <a:r>
+              <a:rPr lang="en-US" altLang="zh-CN" spc="0" dirty="0">
+                <a:solidFill>
+                  <a:schemeClr val="tx1">
+                    <a:lumMod val="65000"/>
+                    <a:lumOff val="35000"/>
+                  </a:schemeClr>
+                </a:solidFill>
+                <a:latin typeface="隶书" panose="02010509060101010101" charset="-122"/>
+                <a:ea typeface="隶书" panose="02010509060101010101" charset="-122"/>
+              </a:rPr>
+              <a:t>server</a:t>
+            </a:r>
+            <a:r>
+              <a:rPr lang="zh-CN" altLang="en-US" spc="0" dirty="0">
+                <a:solidFill>
+                  <a:schemeClr val="tx1">
+                    <a:lumMod val="65000"/>
+                    <a:lumOff val="35000"/>
+                  </a:schemeClr>
+                </a:solidFill>
+                <a:latin typeface="隶书" panose="02010509060101010101" charset="-122"/>
+                <a:ea typeface="隶书" panose="02010509060101010101" charset="-122"/>
+              </a:rPr>
+              <a:t> </a:t>
+            </a:r>
+            <a:r>
+              <a:rPr lang="en-US" altLang="zh-CN" spc="0" dirty="0">
+                <a:solidFill>
+                  <a:schemeClr val="tx1">
+                    <a:lumMod val="65000"/>
+                    <a:lumOff val="35000"/>
+                  </a:schemeClr>
+                </a:solidFill>
+                <a:latin typeface="隶书" panose="02010509060101010101" charset="-122"/>
+                <a:ea typeface="隶书" panose="02010509060101010101" charset="-122"/>
+              </a:rPr>
+              <a:t>-&gt; </a:t>
+            </a:r>
+            <a:r>
+              <a:rPr lang="zh-CN" altLang="en-US" spc="0" dirty="0">
+                <a:solidFill>
+                  <a:schemeClr val="tx1">
+                    <a:lumMod val="65000"/>
+                    <a:lumOff val="35000"/>
+                  </a:schemeClr>
+                </a:solidFill>
+                <a:latin typeface="隶书" panose="02010509060101010101" charset="-122"/>
+                <a:ea typeface="隶书" panose="02010509060101010101" charset="-122"/>
+              </a:rPr>
+              <a:t>spring.factories </a:t>
+            </a:r>
+            <a:r>
+              <a:rPr lang="en-US" altLang="zh-CN" spc="0" dirty="0">
+                <a:solidFill>
+                  <a:schemeClr val="tx1">
+                    <a:lumMod val="65000"/>
+                    <a:lumOff val="35000"/>
+                  </a:schemeClr>
+                </a:solidFill>
+                <a:latin typeface="隶书" panose="02010509060101010101" charset="-122"/>
+                <a:ea typeface="隶书" panose="02010509060101010101" charset="-122"/>
+              </a:rPr>
+              <a:t>-&gt; </a:t>
+            </a:r>
+            <a:r>
+              <a:rPr lang="zh-CN" altLang="en-US" spc="0" dirty="0">
+                <a:solidFill>
+                  <a:schemeClr val="tx1">
+                    <a:lumMod val="65000"/>
+                    <a:lumOff val="35000"/>
+                  </a:schemeClr>
+                </a:solidFill>
+                <a:latin typeface="隶书" panose="02010509060101010101" charset="-122"/>
+                <a:ea typeface="隶书" panose="02010509060101010101" charset="-122"/>
+              </a:rPr>
+              <a:t>EurekaServerAutoConfiguration</a:t>
+            </a:r>
+            <a:endParaRPr lang="zh-CN" altLang="en-US" spc="0" dirty="0">
+              <a:solidFill>
+                <a:schemeClr val="tx1">
+                  <a:lumMod val="65000"/>
+                  <a:lumOff val="35000"/>
+                </a:schemeClr>
+              </a:solidFill>
+              <a:latin typeface="隶书" panose="02010509060101010101" charset="-122"/>
+              <a:ea typeface="隶书" panose="02010509060101010101" charset="-122"/>
+            </a:endParaRPr>
+          </a:p>
+          <a:p>
+            <a:pPr marR="0" lvl="0" indent="0" algn="just" defTabSz="914400" rtl="0" eaLnBrk="1" fontAlgn="auto" latinLnBrk="0" hangingPunct="1">
+              <a:lnSpc>
+                <a:spcPct val="130000"/>
+              </a:lnSpc>
+              <a:spcBef>
+                <a:spcPts val="0"/>
+              </a:spcBef>
+              <a:spcAft>
+                <a:spcPts val="800"/>
+              </a:spcAft>
+              <a:buClrTx/>
+              <a:buSzTx/>
+              <a:buFont typeface="Arial" panose="020B0604020202020204" pitchFamily="34" charset="0"/>
+              <a:buNone/>
+              <a:defRPr/>
+            </a:pPr>
+            <a:endParaRPr lang="zh-CN" altLang="en-US" spc="0" dirty="0">
+              <a:solidFill>
+                <a:schemeClr val="tx1">
+                  <a:lumMod val="65000"/>
+                  <a:lumOff val="35000"/>
+                </a:schemeClr>
+              </a:solidFill>
+              <a:latin typeface="隶书" panose="02010509060101010101" charset="-122"/>
+              <a:ea typeface="隶书" panose="02010509060101010101" charset="-122"/>
+            </a:endParaRPr>
+          </a:p>
+        </p:txBody>
+      </p:sp>
+      <p:sp>
+        <p:nvSpPr>
+          <p:cNvPr id="3" name="文本框 2"/>
+          <p:cNvSpPr txBox="1"/>
+          <p:nvPr>
+            <p:custDataLst>
+              <p:tags r:id="rId2"/>
+            </p:custDataLst>
+          </p:nvPr>
+        </p:nvSpPr>
+        <p:spPr>
+          <a:xfrm>
+            <a:off x="608400" y="608400"/>
+            <a:ext cx="10970823" cy="706755"/>
+          </a:xfrm>
+          <a:prstGeom prst="rect">
+            <a:avLst/>
+          </a:prstGeom>
+        </p:spPr>
+        <p:txBody>
+          <a:bodyPr vert="horz" lIns="90170" tIns="46990" rIns="90170" bIns="46990" rtlCol="0" anchor="ctr" anchorCtr="0">
+            <a:normAutofit/>
+          </a:bodyPr>
+          <a:lstStyle>
+            <a:lvl1pPr marR="0" fontAlgn="auto">
+              <a:lnSpc>
+                <a:spcPct val="100000"/>
+              </a:lnSpc>
+              <a:spcBef>
+                <a:spcPct val="0"/>
+              </a:spcBef>
+              <a:buNone/>
+              <a:defRPr kumimoji="0" lang="zh-CN" altLang="en-US" sz="3600" b="1" i="0" u="none" strike="noStrike" cap="none" spc="300" normalizeH="0" baseline="0" noProof="1" dirty="0">
+                <a:solidFill>
+                  <a:schemeClr val="tx1">
+                    <a:lumMod val="85000"/>
+                    <a:lumOff val="15000"/>
+                  </a:schemeClr>
+                </a:solidFill>
+                <a:uFillTx/>
+                <a:latin typeface="微软雅黑" panose="020B0503020204020204" charset="-122"/>
+                <a:ea typeface="微软雅黑" panose="020B0503020204020204" charset="-122"/>
+                <a:cs typeface="+mj-cs"/>
+                <a:sym typeface="+mn-ea"/>
+              </a:defRPr>
+            </a:lvl1pPr>
+          </a:lstStyle>
+          <a:p>
+            <a:r>
+              <a:rPr dirty="0">
+                <a:solidFill>
+                  <a:schemeClr val="tx1">
+                    <a:lumMod val="85000"/>
+                    <a:lumOff val="15000"/>
+                  </a:schemeClr>
+                </a:solidFill>
+                <a:uFillTx/>
+                <a:latin typeface="隶书" panose="02010509060101010101" charset="-122"/>
+                <a:ea typeface="隶书" panose="02010509060101010101" charset="-122"/>
+              </a:rPr>
+              <a:t>服务端源码</a:t>
+            </a:r>
+            <a:endParaRPr dirty="0">
+              <a:solidFill>
+                <a:schemeClr val="tx1">
+                  <a:lumMod val="85000"/>
+                  <a:lumOff val="15000"/>
+                </a:schemeClr>
+              </a:solidFill>
+              <a:uFillTx/>
+              <a:latin typeface="隶书" panose="02010509060101010101" charset="-122"/>
+              <a:ea typeface="隶书" panose="02010509060101010101" charset="-122"/>
+            </a:endParaRPr>
+          </a:p>
+        </p:txBody>
+      </p:sp>
+    </p:spTree>
+    <p:custDataLst>
+      <p:tags r:id="rId3"/>
+    </p:custDataLst>
+  </p:cSld>
+  <p:clrMapOvr>
+    <a:masterClrMapping/>
+  </p:clrMapOvr>
+</p:sld>
+</file>
+
+<file path=ppt/slides/slide5.xml><?xml version="1.0" encoding="utf-8"?>
+<p:sld xmlns:a="http://schemas.openxmlformats.org/drawingml/2006/main" xmlns:r="http://schemas.openxmlformats.org/officeDocument/2006/relationships" xmlns:p="http://schemas.openxmlformats.org/presentationml/2006/main">
+  <p:cSld>
+    <p:spTree>
+      <p:nvGrpSpPr>
+        <p:cNvPr id="1" name=""/>
+        <p:cNvGrpSpPr/>
+        <p:nvPr/>
+      </p:nvGrpSpPr>
+      <p:grpSpPr>
+        <a:xfrm>
+          <a:off x="0" y="0"/>
+          <a:ext cx="0" cy="0"/>
+          <a:chOff x="0" y="0"/>
+          <a:chExt cx="0" cy="0"/>
+        </a:xfrm>
+      </p:grpSpPr>
+      <p:sp>
+        <p:nvSpPr>
           <p:cNvPr id="2" name="标题 1"/>
           <p:cNvSpPr>
             <a:spLocks noGrp="1"/>
@@ -13212,6 +14513,149 @@
   <p:tag name="KSO_WM_UNIT_LAYERLEVEL" val="1"/>
   <p:tag name="KSO_WM_TAG_VERSION" val="1.0"/>
   <p:tag name="KSO_WM_BEAUTIFY_FLAG" val="#wm#"/>
+  <p:tag name="KSO_WM_UNIT_NOCLEAR" val="0"/>
+  <p:tag name="KSO_WM_UNIT_VALUE" val="636"/>
+  <p:tag name="KSO_WM_UNIT_TYPE" val="f"/>
+  <p:tag name="KSO_WM_UNIT_INDEX" val="1"/>
+  <p:tag name="KSO_WM_TEMPLATE_CATEGORY" val="custom"/>
+  <p:tag name="KSO_WM_TEMPLATE_INDEX" val="20204179"/>
+  <p:tag name="KSO_WM_UNIT_ID" val="custom20204179_8*f*1"/>
+  <p:tag name="KSO_WM_UNIT_PRESET_TEXT" val="单击此处输入你的正文，文字是您思想的提炼，为了最终演示发布的良好效果，请尽量言简意赅的阐述观点；根据需要可酌情增减文字，以便观者可以准确理解您所传达的信息。&#13;您的正文已经简明扼要，字字珠玑，但信息却错综复杂，需要用更多的文字来表述；但请您尽可能提炼思想的精髓，否则容易造成观者的阅读压力，适得其反。正如我们都希望改变世界，希望给人带去光明，但更多时候只需播下一颗种子，自然有微光照拂，雨露滋养。恰如其分的表达观点，往往可以事半功倍。&#13;单击此处输入你的正文，文字是您思想的提炼，为了最终演示发布的良好效果，请尽量言简意赅的阐述观点；根据需要可酌情增减文字，以便观者可以准确理解您所传达的信息。&#13;您的正文已经简明扼要，字字珠玑，但信息却错综复杂，需要用更多的文字来表述；但请您尽可能提炼思想的精髓，否则容易造成观者的阅读压力，适得其反。正如我们都希望改变世界，希望给人带去光明，但更多时候只需播下一颗种子，自然有微光照拂，雨露滋养。恰如其分的表达观点，往往可以事半功倍。"/>
+  <p:tag name="KSO_WM_UNIT_SUBTYPE" val="a"/>
+</p:tagLst>
+</file>
+
+<file path=ppt/tags/tag15.xml><?xml version="1.0" encoding="utf-8"?>
+<p:tagLst xmlns:p="http://schemas.openxmlformats.org/presentationml/2006/main">
+  <p:tag name="KSO_WM_UNIT_HIGHLIGHT" val="0"/>
+  <p:tag name="KSO_WM_UNIT_COMPATIBLE" val="0"/>
+  <p:tag name="KSO_WM_UNIT_DIAGRAM_ISNUMVISUAL" val="0"/>
+  <p:tag name="KSO_WM_UNIT_DIAGRAM_ISREFERUNIT" val="0"/>
+  <p:tag name="KSO_WM_UNIT_ID" val="_3**"/>
+  <p:tag name="KSO_WM_UNIT_LAYERLEVEL" val="1"/>
+  <p:tag name="KSO_WM_TAG_VERSION" val="1.0"/>
+  <p:tag name="KSO_WM_BEAUTIFY_FLAG" val="#wm#"/>
+</p:tagLst>
+</file>
+
+<file path=ppt/tags/tag150.xml><?xml version="1.0" encoding="utf-8"?>
+<p:tagLst xmlns:p="http://schemas.openxmlformats.org/presentationml/2006/main">
+  <p:tag name="KSO_WM_UNIT_HIGHLIGHT" val="0"/>
+  <p:tag name="KSO_WM_UNIT_COMPATIBLE" val="0"/>
+  <p:tag name="KSO_WM_UNIT_DIAGRAM_ISNUMVISUAL" val="0"/>
+  <p:tag name="KSO_WM_UNIT_DIAGRAM_ISREFERUNIT" val="0"/>
+  <p:tag name="KSO_WM_UNIT_LAYERLEVEL" val="1"/>
+  <p:tag name="KSO_WM_TAG_VERSION" val="1.0"/>
+  <p:tag name="KSO_WM_BEAUTIFY_FLAG" val="#wm#"/>
+  <p:tag name="KSO_WM_UNIT_ISCONTENTSTITLE" val="0"/>
+  <p:tag name="KSO_WM_UNIT_NOCLEAR" val="0"/>
+  <p:tag name="KSO_WM_UNIT_VALUE" val="26"/>
+  <p:tag name="KSO_WM_UNIT_TYPE" val="a"/>
+  <p:tag name="KSO_WM_UNIT_INDEX" val="1"/>
+  <p:tag name="KSO_WM_UNIT_BLOCK" val="0"/>
+  <p:tag name="KSO_WM_TEMPLATE_CATEGORY" val="custom"/>
+  <p:tag name="KSO_WM_TEMPLATE_INDEX" val="20204179"/>
+  <p:tag name="KSO_WM_UNIT_ID" val="custom20204179_8*a*1"/>
+  <p:tag name="KSO_WM_UNIT_PRESET_TEXT" val="单击此处添加大标题"/>
+  <p:tag name="KSO_WM_UNIT_ISNUMDGMTITLE" val="0"/>
+</p:tagLst>
+</file>
+
+<file path=ppt/tags/tag151.xml><?xml version="1.0" encoding="utf-8"?>
+<p:tagLst xmlns:p="http://schemas.openxmlformats.org/presentationml/2006/main">
+  <p:tag name="KSO_WM_BEAUTIFY_FLAG" val="#wm#"/>
+  <p:tag name="KSO_WM_TEMPLATE_SUBCATEGORY" val="0"/>
+  <p:tag name="KSO_WM_SLIDE_ITEM_CNT" val="0"/>
+  <p:tag name="KSO_WM_SLIDE_INDEX" val="8"/>
+  <p:tag name="KSO_WM_TAG_VERSION" val="1.0"/>
+  <p:tag name="KSO_WM_SLIDE_TYPE" val="text"/>
+  <p:tag name="KSO_WM_SLIDE_SUBTYPE" val="pureTxt"/>
+  <p:tag name="KSO_WM_SLIDE_SIZE" val="863*444"/>
+  <p:tag name="KSO_WM_SLIDE_POSITION" val="47*47"/>
+  <p:tag name="KSO_WM_SLIDE_LAYOUT" val="a_f"/>
+  <p:tag name="KSO_WM_SLIDE_LAYOUT_CNT" val="1_1"/>
+  <p:tag name="KSO_WM_TEMPLATE_MASTER_TYPE" val="1"/>
+  <p:tag name="KSO_WM_TEMPLATE_COLOR_TYPE" val="1"/>
+  <p:tag name="KSO_WM_TEMPLATE_CATEGORY" val="custom"/>
+  <p:tag name="KSO_WM_TEMPLATE_INDEX" val="20204179"/>
+  <p:tag name="KSO_WM_SLIDE_ID" val="custom20204179_8"/>
+</p:tagLst>
+</file>
+
+<file path=ppt/tags/tag152.xml><?xml version="1.0" encoding="utf-8"?>
+<p:tagLst xmlns:p="http://schemas.openxmlformats.org/presentationml/2006/main">
+  <p:tag name="KSO_WM_UNIT_HIGHLIGHT" val="0"/>
+  <p:tag name="KSO_WM_UNIT_COMPATIBLE" val="0"/>
+  <p:tag name="KSO_WM_UNIT_DIAGRAM_ISNUMVISUAL" val="0"/>
+  <p:tag name="KSO_WM_UNIT_DIAGRAM_ISREFERUNIT" val="0"/>
+  <p:tag name="KSO_WM_UNIT_LAYERLEVEL" val="1"/>
+  <p:tag name="KSO_WM_TAG_VERSION" val="1.0"/>
+  <p:tag name="KSO_WM_BEAUTIFY_FLAG" val="#wm#"/>
+  <p:tag name="KSO_WM_UNIT_NOCLEAR" val="0"/>
+  <p:tag name="KSO_WM_UNIT_VALUE" val="636"/>
+  <p:tag name="KSO_WM_UNIT_TYPE" val="f"/>
+  <p:tag name="KSO_WM_UNIT_INDEX" val="1"/>
+  <p:tag name="KSO_WM_TEMPLATE_CATEGORY" val="custom"/>
+  <p:tag name="KSO_WM_TEMPLATE_INDEX" val="20204179"/>
+  <p:tag name="KSO_WM_UNIT_ID" val="custom20204179_8*f*1"/>
+  <p:tag name="KSO_WM_UNIT_PRESET_TEXT" val="单击此处输入你的正文，文字是您思想的提炼，为了最终演示发布的良好效果，请尽量言简意赅的阐述观点；根据需要可酌情增减文字，以便观者可以准确理解您所传达的信息。&#13;您的正文已经简明扼要，字字珠玑，但信息却错综复杂，需要用更多的文字来表述；但请您尽可能提炼思想的精髓，否则容易造成观者的阅读压力，适得其反。正如我们都希望改变世界，希望给人带去光明，但更多时候只需播下一颗种子，自然有微光照拂，雨露滋养。恰如其分的表达观点，往往可以事半功倍。&#13;单击此处输入你的正文，文字是您思想的提炼，为了最终演示发布的良好效果，请尽量言简意赅的阐述观点；根据需要可酌情增减文字，以便观者可以准确理解您所传达的信息。&#13;您的正文已经简明扼要，字字珠玑，但信息却错综复杂，需要用更多的文字来表述；但请您尽可能提炼思想的精髓，否则容易造成观者的阅读压力，适得其反。正如我们都希望改变世界，希望给人带去光明，但更多时候只需播下一颗种子，自然有微光照拂，雨露滋养。恰如其分的表达观点，往往可以事半功倍。"/>
+  <p:tag name="KSO_WM_UNIT_SUBTYPE" val="a"/>
+</p:tagLst>
+</file>
+
+<file path=ppt/tags/tag153.xml><?xml version="1.0" encoding="utf-8"?>
+<p:tagLst xmlns:p="http://schemas.openxmlformats.org/presentationml/2006/main">
+  <p:tag name="KSO_WM_UNIT_HIGHLIGHT" val="0"/>
+  <p:tag name="KSO_WM_UNIT_COMPATIBLE" val="0"/>
+  <p:tag name="KSO_WM_UNIT_DIAGRAM_ISNUMVISUAL" val="0"/>
+  <p:tag name="KSO_WM_UNIT_DIAGRAM_ISREFERUNIT" val="0"/>
+  <p:tag name="KSO_WM_UNIT_LAYERLEVEL" val="1"/>
+  <p:tag name="KSO_WM_TAG_VERSION" val="1.0"/>
+  <p:tag name="KSO_WM_BEAUTIFY_FLAG" val="#wm#"/>
+  <p:tag name="KSO_WM_UNIT_ISCONTENTSTITLE" val="0"/>
+  <p:tag name="KSO_WM_UNIT_NOCLEAR" val="0"/>
+  <p:tag name="KSO_WM_UNIT_VALUE" val="26"/>
+  <p:tag name="KSO_WM_UNIT_TYPE" val="a"/>
+  <p:tag name="KSO_WM_UNIT_INDEX" val="1"/>
+  <p:tag name="KSO_WM_UNIT_BLOCK" val="0"/>
+  <p:tag name="KSO_WM_TEMPLATE_CATEGORY" val="custom"/>
+  <p:tag name="KSO_WM_TEMPLATE_INDEX" val="20204179"/>
+  <p:tag name="KSO_WM_UNIT_ID" val="custom20204179_8*a*1"/>
+  <p:tag name="KSO_WM_UNIT_PRESET_TEXT" val="单击此处添加大标题"/>
+  <p:tag name="KSO_WM_UNIT_ISNUMDGMTITLE" val="0"/>
+</p:tagLst>
+</file>
+
+<file path=ppt/tags/tag154.xml><?xml version="1.0" encoding="utf-8"?>
+<p:tagLst xmlns:p="http://schemas.openxmlformats.org/presentationml/2006/main">
+  <p:tag name="KSO_WM_BEAUTIFY_FLAG" val="#wm#"/>
+  <p:tag name="KSO_WM_TEMPLATE_SUBCATEGORY" val="0"/>
+  <p:tag name="KSO_WM_SLIDE_ITEM_CNT" val="0"/>
+  <p:tag name="KSO_WM_SLIDE_INDEX" val="8"/>
+  <p:tag name="KSO_WM_TAG_VERSION" val="1.0"/>
+  <p:tag name="KSO_WM_SLIDE_TYPE" val="text"/>
+  <p:tag name="KSO_WM_SLIDE_SUBTYPE" val="pureTxt"/>
+  <p:tag name="KSO_WM_SLIDE_SIZE" val="863*444"/>
+  <p:tag name="KSO_WM_SLIDE_POSITION" val="47*47"/>
+  <p:tag name="KSO_WM_SLIDE_LAYOUT" val="a_f"/>
+  <p:tag name="KSO_WM_SLIDE_LAYOUT_CNT" val="1_1"/>
+  <p:tag name="KSO_WM_TEMPLATE_MASTER_TYPE" val="1"/>
+  <p:tag name="KSO_WM_TEMPLATE_COLOR_TYPE" val="1"/>
+  <p:tag name="KSO_WM_TEMPLATE_CATEGORY" val="custom"/>
+  <p:tag name="KSO_WM_TEMPLATE_INDEX" val="20204179"/>
+  <p:tag name="KSO_WM_SLIDE_ID" val="custom20204179_8"/>
+</p:tagLst>
+</file>
+
+<file path=ppt/tags/tag155.xml><?xml version="1.0" encoding="utf-8"?>
+<p:tagLst xmlns:p="http://schemas.openxmlformats.org/presentationml/2006/main">
+  <p:tag name="KSO_WM_UNIT_HIGHLIGHT" val="0"/>
+  <p:tag name="KSO_WM_UNIT_COMPATIBLE" val="0"/>
+  <p:tag name="KSO_WM_UNIT_DIAGRAM_ISNUMVISUAL" val="0"/>
+  <p:tag name="KSO_WM_UNIT_DIAGRAM_ISREFERUNIT" val="0"/>
+  <p:tag name="KSO_WM_UNIT_LAYERLEVEL" val="1"/>
+  <p:tag name="KSO_WM_TAG_VERSION" val="1.0"/>
+  <p:tag name="KSO_WM_BEAUTIFY_FLAG" val="#wm#"/>
   <p:tag name="KSO_WM_UNIT_ISCONTENTSTITLE" val="0"/>
   <p:tag name="KSO_WM_UNIT_NOCLEAR" val="1"/>
   <p:tag name="KSO_WM_UNIT_VALUE" val="10"/>
@@ -13225,20 +14669,7 @@
 </p:tagLst>
 </file>
 
-<file path=ppt/tags/tag15.xml><?xml version="1.0" encoding="utf-8"?>
-<p:tagLst xmlns:p="http://schemas.openxmlformats.org/presentationml/2006/main">
-  <p:tag name="KSO_WM_UNIT_HIGHLIGHT" val="0"/>
-  <p:tag name="KSO_WM_UNIT_COMPATIBLE" val="0"/>
-  <p:tag name="KSO_WM_UNIT_DIAGRAM_ISNUMVISUAL" val="0"/>
-  <p:tag name="KSO_WM_UNIT_DIAGRAM_ISREFERUNIT" val="0"/>
-  <p:tag name="KSO_WM_UNIT_ID" val="_3**"/>
-  <p:tag name="KSO_WM_UNIT_LAYERLEVEL" val="1"/>
-  <p:tag name="KSO_WM_TAG_VERSION" val="1.0"/>
-  <p:tag name="KSO_WM_BEAUTIFY_FLAG" val="#wm#"/>
-</p:tagLst>
-</file>
-
-<file path=ppt/tags/tag150.xml><?xml version="1.0" encoding="utf-8"?>
+<file path=ppt/tags/tag156.xml><?xml version="1.0" encoding="utf-8"?>
 <p:tagLst xmlns:p="http://schemas.openxmlformats.org/presentationml/2006/main">
   <p:tag name="KSO_WM_BEAUTIFY_FLAG" val="#wm#"/>
   <p:tag name="KSO_WM_TEMPLATE_SUBCATEGORY" val="0"/>

--- a/document/SpringCloud融会贯通/01-Eureka原理解析.pptx
+++ b/document/SpringCloud融会贯通/01-Eureka原理解析.pptx
@@ -6,14 +6,16 @@
     <p:sldMasterId id="2147483660" r:id="rId3"/>
   </p:sldMasterIdLst>
   <p:notesMasterIdLst>
-    <p:notesMasterId r:id="rId9"/>
+    <p:notesMasterId r:id="rId11"/>
   </p:notesMasterIdLst>
   <p:sldIdLst>
     <p:sldId id="257" r:id="rId4"/>
     <p:sldId id="260" r:id="rId5"/>
     <p:sldId id="265" r:id="rId6"/>
     <p:sldId id="266" r:id="rId7"/>
-    <p:sldId id="264" r:id="rId8"/>
+    <p:sldId id="268" r:id="rId8"/>
+    <p:sldId id="269" r:id="rId9"/>
+    <p:sldId id="264" r:id="rId10"/>
   </p:sldIdLst>
   <p:sldSz cx="12192000" cy="6858000"/>
   <p:notesSz cx="6858000" cy="9144000"/>
@@ -13441,7 +13443,7 @@
               <a:t>-&gt; </a:t>
             </a:r>
             <a:r>
-              <a:rPr lang="zh-CN" altLang="en-US" spc="0" dirty="0">
+              <a:rPr lang="zh-CN" altLang="en-US" b="1" spc="0" dirty="0">
                 <a:solidFill>
                   <a:schemeClr val="tx1">
                     <a:lumMod val="65000"/>
@@ -13481,7 +13483,389 @@
               <a:buNone/>
               <a:defRPr/>
             </a:pPr>
+            <a:r>
+              <a:rPr lang="zh-CN" altLang="en-US" spc="0" dirty="0">
+                <a:solidFill>
+                  <a:schemeClr val="tx1">
+                    <a:lumMod val="65000"/>
+                    <a:lumOff val="35000"/>
+                  </a:schemeClr>
+                </a:solidFill>
+                <a:latin typeface="隶书" panose="02010509060101010101" charset="-122"/>
+                <a:ea typeface="隶书" panose="02010509060101010101" charset="-122"/>
+              </a:rPr>
+              <a:t>Application jerseyApplication(Environment environment, ResourceLoader resourceLoader)</a:t>
+            </a:r>
             <a:endParaRPr lang="zh-CN" altLang="en-US" spc="0" dirty="0">
+              <a:solidFill>
+                <a:schemeClr val="tx1">
+                  <a:lumMod val="65000"/>
+                  <a:lumOff val="35000"/>
+                </a:schemeClr>
+              </a:solidFill>
+              <a:latin typeface="隶书" panose="02010509060101010101" charset="-122"/>
+              <a:ea typeface="隶书" panose="02010509060101010101" charset="-122"/>
+            </a:endParaRPr>
+          </a:p>
+          <a:p>
+            <a:pPr marR="0" lvl="0" indent="0" algn="just" defTabSz="914400" rtl="0" eaLnBrk="1" fontAlgn="auto" latinLnBrk="0" hangingPunct="1">
+              <a:lnSpc>
+                <a:spcPct val="130000"/>
+              </a:lnSpc>
+              <a:spcBef>
+                <a:spcPts val="0"/>
+              </a:spcBef>
+              <a:spcAft>
+                <a:spcPts val="800"/>
+              </a:spcAft>
+              <a:buClrTx/>
+              <a:buSzTx/>
+              <a:buFont typeface="Arial" panose="020B0604020202020204" pitchFamily="34" charset="0"/>
+              <a:buNone/>
+              <a:defRPr/>
+            </a:pPr>
+            <a:r>
+              <a:rPr lang="zh-CN" altLang="en-US" spc="0" dirty="0">
+                <a:solidFill>
+                  <a:schemeClr val="tx1">
+                    <a:lumMod val="65000"/>
+                    <a:lumOff val="35000"/>
+                  </a:schemeClr>
+                </a:solidFill>
+                <a:latin typeface="隶书" panose="02010509060101010101" charset="-122"/>
+                <a:ea typeface="隶书" panose="02010509060101010101" charset="-122"/>
+              </a:rPr>
+              <a:t>FilterRegistrationBean&lt;?&gt; jerseyFilterRegistration(Application eurekaJerseyApp)</a:t>
+            </a:r>
+            <a:endParaRPr lang="zh-CN" altLang="en-US" spc="0" dirty="0">
+              <a:solidFill>
+                <a:schemeClr val="tx1">
+                  <a:lumMod val="65000"/>
+                  <a:lumOff val="35000"/>
+                </a:schemeClr>
+              </a:solidFill>
+              <a:latin typeface="隶书" panose="02010509060101010101" charset="-122"/>
+              <a:ea typeface="隶书" panose="02010509060101010101" charset="-122"/>
+            </a:endParaRPr>
+          </a:p>
+          <a:p>
+            <a:pPr marR="0" lvl="0" indent="0" algn="just" defTabSz="914400" rtl="0" eaLnBrk="1" fontAlgn="auto" latinLnBrk="0" hangingPunct="1">
+              <a:lnSpc>
+                <a:spcPct val="130000"/>
+              </a:lnSpc>
+              <a:spcBef>
+                <a:spcPts val="0"/>
+              </a:spcBef>
+              <a:spcAft>
+                <a:spcPts val="800"/>
+              </a:spcAft>
+              <a:buClrTx/>
+              <a:buSzTx/>
+              <a:buFont typeface="Arial" panose="020B0604020202020204" pitchFamily="34" charset="0"/>
+              <a:buNone/>
+              <a:defRPr/>
+            </a:pPr>
+            <a:r>
+              <a:rPr lang="zh-CN" altLang="en-US" spc="0" dirty="0">
+                <a:solidFill>
+                  <a:schemeClr val="tx1">
+                    <a:lumMod val="65000"/>
+                    <a:lumOff val="35000"/>
+                  </a:schemeClr>
+                </a:solidFill>
+                <a:latin typeface="隶书" panose="02010509060101010101" charset="-122"/>
+                <a:ea typeface="隶书" panose="02010509060101010101" charset="-122"/>
+              </a:rPr>
+              <a:t>https://github.com/Netflix/eureka/wiki/Eureka-REST-operations</a:t>
+            </a:r>
+            <a:endParaRPr lang="zh-CN" altLang="en-US" spc="0" dirty="0">
+              <a:solidFill>
+                <a:schemeClr val="tx1">
+                  <a:lumMod val="65000"/>
+                  <a:lumOff val="35000"/>
+                </a:schemeClr>
+              </a:solidFill>
+              <a:latin typeface="隶书" panose="02010509060101010101" charset="-122"/>
+              <a:ea typeface="隶书" panose="02010509060101010101" charset="-122"/>
+            </a:endParaRPr>
+          </a:p>
+          <a:p>
+            <a:pPr marR="0" lvl="0" indent="0" algn="just" defTabSz="914400" rtl="0" eaLnBrk="1" fontAlgn="auto" latinLnBrk="0" hangingPunct="1">
+              <a:lnSpc>
+                <a:spcPct val="130000"/>
+              </a:lnSpc>
+              <a:spcBef>
+                <a:spcPts val="0"/>
+              </a:spcBef>
+              <a:spcAft>
+                <a:spcPts val="800"/>
+              </a:spcAft>
+              <a:buClrTx/>
+              <a:buSzTx/>
+              <a:buFont typeface="Arial" panose="020B0604020202020204" pitchFamily="34" charset="0"/>
+              <a:buNone/>
+              <a:defRPr/>
+            </a:pPr>
+            <a:r>
+              <a:rPr lang="zh-CN" altLang="en-US" spc="0" dirty="0">
+                <a:solidFill>
+                  <a:schemeClr val="tx1">
+                    <a:lumMod val="65000"/>
+                    <a:lumOff val="35000"/>
+                  </a:schemeClr>
+                </a:solidFill>
+                <a:latin typeface="隶书" panose="02010509060101010101" charset="-122"/>
+                <a:ea typeface="隶书" panose="02010509060101010101" charset="-122"/>
+              </a:rPr>
+              <a:t>ApplicationsResource</a:t>
+            </a:r>
+            <a:endParaRPr lang="zh-CN" altLang="en-US" spc="0" dirty="0">
+              <a:solidFill>
+                <a:schemeClr val="tx1">
+                  <a:lumMod val="65000"/>
+                  <a:lumOff val="35000"/>
+                </a:schemeClr>
+              </a:solidFill>
+              <a:latin typeface="隶书" panose="02010509060101010101" charset="-122"/>
+              <a:ea typeface="隶书" panose="02010509060101010101" charset="-122"/>
+            </a:endParaRPr>
+          </a:p>
+          <a:p>
+            <a:pPr marR="0" lvl="0" indent="0" algn="just" defTabSz="914400" rtl="0" eaLnBrk="1" fontAlgn="auto" latinLnBrk="0" hangingPunct="1">
+              <a:lnSpc>
+                <a:spcPct val="130000"/>
+              </a:lnSpc>
+              <a:spcBef>
+                <a:spcPts val="0"/>
+              </a:spcBef>
+              <a:spcAft>
+                <a:spcPts val="800"/>
+              </a:spcAft>
+              <a:buClrTx/>
+              <a:buSzTx/>
+              <a:buFont typeface="Arial" panose="020B0604020202020204" pitchFamily="34" charset="0"/>
+              <a:buNone/>
+              <a:defRPr/>
+            </a:pPr>
+            <a:r>
+              <a:rPr lang="zh-CN" altLang="en-US" spc="0" dirty="0">
+                <a:solidFill>
+                  <a:schemeClr val="tx1">
+                    <a:lumMod val="65000"/>
+                    <a:lumOff val="35000"/>
+                  </a:schemeClr>
+                </a:solidFill>
+                <a:latin typeface="隶书" panose="02010509060101010101" charset="-122"/>
+                <a:ea typeface="隶书" panose="02010509060101010101" charset="-122"/>
+              </a:rPr>
+              <a:t>ApplicationResource</a:t>
+            </a:r>
+            <a:endParaRPr lang="zh-CN" altLang="en-US" spc="0" dirty="0">
+              <a:solidFill>
+                <a:schemeClr val="tx1">
+                  <a:lumMod val="65000"/>
+                  <a:lumOff val="35000"/>
+                </a:schemeClr>
+              </a:solidFill>
+              <a:latin typeface="隶书" panose="02010509060101010101" charset="-122"/>
+              <a:ea typeface="隶书" panose="02010509060101010101" charset="-122"/>
+            </a:endParaRPr>
+          </a:p>
+          <a:p>
+            <a:pPr marR="0" lvl="0" indent="0" algn="just" defTabSz="914400" rtl="0" eaLnBrk="1" fontAlgn="auto" latinLnBrk="0" hangingPunct="1">
+              <a:lnSpc>
+                <a:spcPct val="130000"/>
+              </a:lnSpc>
+              <a:spcBef>
+                <a:spcPts val="0"/>
+              </a:spcBef>
+              <a:spcAft>
+                <a:spcPts val="800"/>
+              </a:spcAft>
+              <a:buClrTx/>
+              <a:buSzTx/>
+              <a:buFont typeface="Arial" panose="020B0604020202020204" pitchFamily="34" charset="0"/>
+              <a:buNone/>
+              <a:defRPr/>
+            </a:pPr>
+            <a:r>
+              <a:rPr lang="zh-CN" altLang="en-US" spc="0" dirty="0">
+                <a:solidFill>
+                  <a:schemeClr val="tx1">
+                    <a:lumMod val="65000"/>
+                    <a:lumOff val="35000"/>
+                  </a:schemeClr>
+                </a:solidFill>
+                <a:latin typeface="隶书" panose="02010509060101010101" charset="-122"/>
+                <a:ea typeface="隶书" panose="02010509060101010101" charset="-122"/>
+              </a:rPr>
+              <a:t>Response addInstance(InstanceInfo info, @HeaderParam("x-netflix-discovery-replication")</a:t>
+            </a:r>
+            <a:endParaRPr lang="zh-CN" altLang="en-US" spc="0" dirty="0">
+              <a:solidFill>
+                <a:schemeClr val="tx1">
+                  <a:lumMod val="65000"/>
+                  <a:lumOff val="35000"/>
+                </a:schemeClr>
+              </a:solidFill>
+              <a:latin typeface="隶书" panose="02010509060101010101" charset="-122"/>
+              <a:ea typeface="隶书" panose="02010509060101010101" charset="-122"/>
+            </a:endParaRPr>
+          </a:p>
+          <a:p>
+            <a:pPr marR="0" lvl="0" indent="0" algn="just" defTabSz="914400" rtl="0" eaLnBrk="1" fontAlgn="auto" latinLnBrk="0" hangingPunct="1">
+              <a:lnSpc>
+                <a:spcPct val="130000"/>
+              </a:lnSpc>
+              <a:spcBef>
+                <a:spcPts val="0"/>
+              </a:spcBef>
+              <a:spcAft>
+                <a:spcPts val="800"/>
+              </a:spcAft>
+              <a:buClrTx/>
+              <a:buSzTx/>
+              <a:buFont typeface="Arial" panose="020B0604020202020204" pitchFamily="34" charset="0"/>
+              <a:buNone/>
+              <a:defRPr/>
+            </a:pPr>
+            <a:r>
+              <a:rPr lang="zh-CN" altLang="en-US" b="1" spc="0" dirty="0">
+                <a:solidFill>
+                  <a:schemeClr val="tx1">
+                    <a:lumMod val="65000"/>
+                    <a:lumOff val="35000"/>
+                  </a:schemeClr>
+                </a:solidFill>
+                <a:latin typeface="隶书" panose="02010509060101010101" charset="-122"/>
+                <a:ea typeface="隶书" panose="02010509060101010101" charset="-122"/>
+              </a:rPr>
+              <a:t>PeerAwareInstanceRegistryImpl</a:t>
+            </a:r>
+            <a:endParaRPr lang="zh-CN" altLang="en-US" b="1" spc="0" dirty="0">
+              <a:solidFill>
+                <a:schemeClr val="tx1">
+                  <a:lumMod val="65000"/>
+                  <a:lumOff val="35000"/>
+                </a:schemeClr>
+              </a:solidFill>
+              <a:latin typeface="隶书" panose="02010509060101010101" charset="-122"/>
+              <a:ea typeface="隶书" panose="02010509060101010101" charset="-122"/>
+            </a:endParaRPr>
+          </a:p>
+          <a:p>
+            <a:pPr marR="0" lvl="0" indent="0" algn="just" defTabSz="914400" rtl="0" eaLnBrk="1" fontAlgn="auto" latinLnBrk="0" hangingPunct="1">
+              <a:lnSpc>
+                <a:spcPct val="130000"/>
+              </a:lnSpc>
+              <a:spcBef>
+                <a:spcPts val="0"/>
+              </a:spcBef>
+              <a:spcAft>
+                <a:spcPts val="800"/>
+              </a:spcAft>
+              <a:buClrTx/>
+              <a:buSzTx/>
+              <a:buFont typeface="Arial" panose="020B0604020202020204" pitchFamily="34" charset="0"/>
+              <a:buNone/>
+              <a:defRPr/>
+            </a:pPr>
+            <a:r>
+              <a:rPr lang="zh-CN" altLang="en-US" spc="0" dirty="0">
+                <a:solidFill>
+                  <a:schemeClr val="tx1">
+                    <a:lumMod val="65000"/>
+                    <a:lumOff val="35000"/>
+                  </a:schemeClr>
+                </a:solidFill>
+                <a:latin typeface="隶书" panose="02010509060101010101" charset="-122"/>
+                <a:ea typeface="隶书" panose="02010509060101010101" charset="-122"/>
+              </a:rPr>
+              <a:t>void register(InstanceInfo info, boolean isReplication)</a:t>
+            </a:r>
+            <a:endParaRPr lang="zh-CN" altLang="en-US" b="1" spc="0" dirty="0">
+              <a:solidFill>
+                <a:schemeClr val="tx1">
+                  <a:lumMod val="65000"/>
+                  <a:lumOff val="35000"/>
+                </a:schemeClr>
+              </a:solidFill>
+              <a:latin typeface="隶书" panose="02010509060101010101" charset="-122"/>
+              <a:ea typeface="隶书" panose="02010509060101010101" charset="-122"/>
+            </a:endParaRPr>
+          </a:p>
+          <a:p>
+            <a:pPr marR="0" lvl="0" indent="0" algn="just" defTabSz="914400" rtl="0" eaLnBrk="1" fontAlgn="auto" latinLnBrk="0" hangingPunct="1">
+              <a:lnSpc>
+                <a:spcPct val="130000"/>
+              </a:lnSpc>
+              <a:spcBef>
+                <a:spcPts val="0"/>
+              </a:spcBef>
+              <a:spcAft>
+                <a:spcPts val="800"/>
+              </a:spcAft>
+              <a:buClrTx/>
+              <a:buSzTx/>
+              <a:buFont typeface="Arial" panose="020B0604020202020204" pitchFamily="34" charset="0"/>
+              <a:buNone/>
+              <a:defRPr/>
+            </a:pPr>
+            <a:r>
+              <a:rPr lang="zh-CN" altLang="en-US" b="1" spc="0" dirty="0">
+                <a:solidFill>
+                  <a:schemeClr val="tx1">
+                    <a:lumMod val="65000"/>
+                    <a:lumOff val="35000"/>
+                  </a:schemeClr>
+                </a:solidFill>
+                <a:latin typeface="隶书" panose="02010509060101010101" charset="-122"/>
+                <a:ea typeface="隶书" panose="02010509060101010101" charset="-122"/>
+              </a:rPr>
+              <a:t>InstanceResource</a:t>
+            </a:r>
+            <a:endParaRPr lang="zh-CN" altLang="en-US" b="1" spc="0" dirty="0">
+              <a:solidFill>
+                <a:schemeClr val="tx1">
+                  <a:lumMod val="65000"/>
+                  <a:lumOff val="35000"/>
+                </a:schemeClr>
+              </a:solidFill>
+              <a:latin typeface="隶书" panose="02010509060101010101" charset="-122"/>
+              <a:ea typeface="隶书" panose="02010509060101010101" charset="-122"/>
+            </a:endParaRPr>
+          </a:p>
+          <a:p>
+            <a:pPr marR="0" lvl="0" indent="0" algn="just" defTabSz="914400" rtl="0" eaLnBrk="1" fontAlgn="auto" latinLnBrk="0" hangingPunct="1">
+              <a:lnSpc>
+                <a:spcPct val="130000"/>
+              </a:lnSpc>
+              <a:spcBef>
+                <a:spcPts val="0"/>
+              </a:spcBef>
+              <a:spcAft>
+                <a:spcPts val="800"/>
+              </a:spcAft>
+              <a:buClrTx/>
+              <a:buSzTx/>
+              <a:buFont typeface="Arial" panose="020B0604020202020204" pitchFamily="34" charset="0"/>
+              <a:buNone/>
+              <a:defRPr/>
+            </a:pPr>
+            <a:r>
+              <a:rPr spc="0" dirty="0">
+                <a:solidFill>
+                  <a:schemeClr val="tx1">
+                    <a:lumMod val="65000"/>
+                    <a:lumOff val="35000"/>
+                  </a:schemeClr>
+                </a:solidFill>
+                <a:latin typeface="隶书" panose="02010509060101010101" charset="-122"/>
+                <a:ea typeface="隶书" panose="02010509060101010101" charset="-122"/>
+              </a:rPr>
+              <a:t>renewLease()</a:t>
+            </a:r>
+            <a:endParaRPr spc="0" dirty="0">
               <a:solidFill>
                 <a:schemeClr val="tx1">
                   <a:lumMod val="65000"/>
@@ -13582,6 +13966,1033 @@
 </file>
 
 <file path=ppt/slides/slide5.xml><?xml version="1.0" encoding="utf-8"?>
+<p:sld xmlns:a="http://schemas.openxmlformats.org/drawingml/2006/main" xmlns:r="http://schemas.openxmlformats.org/officeDocument/2006/relationships" xmlns:p="http://schemas.openxmlformats.org/presentationml/2006/main">
+  <p:cSld>
+    <p:spTree>
+      <p:nvGrpSpPr>
+        <p:cNvPr id="1" name=""/>
+        <p:cNvGrpSpPr/>
+        <p:nvPr/>
+      </p:nvGrpSpPr>
+      <p:grpSpPr>
+        <a:xfrm>
+          <a:off x="0" y="0"/>
+          <a:ext cx="0" cy="0"/>
+          <a:chOff x="0" y="0"/>
+          <a:chExt cx="0" cy="0"/>
+        </a:xfrm>
+      </p:grpSpPr>
+      <p:sp>
+        <p:nvSpPr>
+          <p:cNvPr id="2" name="内容占位符 1"/>
+          <p:cNvSpPr txBox="1"/>
+          <p:nvPr>
+            <p:custDataLst>
+              <p:tags r:id="rId1"/>
+            </p:custDataLst>
+          </p:nvPr>
+        </p:nvSpPr>
+        <p:spPr>
+          <a:xfrm>
+            <a:off x="608400" y="1491101"/>
+            <a:ext cx="10970190" cy="4758499"/>
+          </a:xfrm>
+          <a:prstGeom prst="rect">
+            <a:avLst/>
+          </a:prstGeom>
+        </p:spPr>
+        <p:txBody>
+          <a:bodyPr>
+            <a:normAutofit/>
+          </a:bodyPr>
+          <a:lstStyle>
+            <a:lvl1pPr marL="228600" indent="-228600" algn="l" defTabSz="914400" rtl="0" eaLnBrk="1" fontAlgn="auto" latinLnBrk="0" hangingPunct="1">
+              <a:lnSpc>
+                <a:spcPct val="130000"/>
+              </a:lnSpc>
+              <a:spcBef>
+                <a:spcPts val="0"/>
+              </a:spcBef>
+              <a:spcAft>
+                <a:spcPts val="1000"/>
+              </a:spcAft>
+              <a:buFont typeface="Arial" panose="020B0604020202020204" pitchFamily="34" charset="0"/>
+              <a:buChar char="•"/>
+              <a:defRPr sz="1600" u="none" strike="noStrike" kern="1200" cap="none" spc="150" normalizeH="0" baseline="0">
+                <a:solidFill>
+                  <a:schemeClr val="tx1"/>
+                </a:solidFill>
+                <a:uFillTx/>
+                <a:latin typeface="微软雅黑" panose="020B0503020204020204" charset="-122"/>
+                <a:ea typeface="微软雅黑" panose="020B0503020204020204" charset="-122"/>
+                <a:cs typeface="+mn-cs"/>
+              </a:defRPr>
+            </a:lvl1pPr>
+            <a:lvl2pPr marL="685800" indent="-228600" algn="l" defTabSz="914400" rtl="0" eaLnBrk="1" fontAlgn="auto" latinLnBrk="0" hangingPunct="1">
+              <a:lnSpc>
+                <a:spcPct val="130000"/>
+              </a:lnSpc>
+              <a:spcBef>
+                <a:spcPts val="0"/>
+              </a:spcBef>
+              <a:spcAft>
+                <a:spcPts val="1000"/>
+              </a:spcAft>
+              <a:buFont typeface="Arial" panose="020B0604020202020204" pitchFamily="34" charset="0"/>
+              <a:buChar char="•"/>
+              <a:tabLst>
+                <a:tab pos="1609725" algn="l"/>
+              </a:tabLst>
+              <a:defRPr sz="1600" u="none" strike="noStrike" kern="1200" cap="none" spc="150" normalizeH="0" baseline="0">
+                <a:solidFill>
+                  <a:schemeClr val="tx1"/>
+                </a:solidFill>
+                <a:uFillTx/>
+                <a:latin typeface="微软雅黑" panose="020B0503020204020204" charset="-122"/>
+                <a:ea typeface="微软雅黑" panose="020B0503020204020204" charset="-122"/>
+                <a:cs typeface="+mn-cs"/>
+              </a:defRPr>
+            </a:lvl2pPr>
+            <a:lvl3pPr marL="1143000" indent="-228600" algn="l" defTabSz="914400" rtl="0" eaLnBrk="1" fontAlgn="auto" latinLnBrk="0" hangingPunct="1">
+              <a:lnSpc>
+                <a:spcPct val="130000"/>
+              </a:lnSpc>
+              <a:spcBef>
+                <a:spcPts val="0"/>
+              </a:spcBef>
+              <a:spcAft>
+                <a:spcPts val="1000"/>
+              </a:spcAft>
+              <a:buFont typeface="Arial" panose="020B0604020202020204" pitchFamily="34" charset="0"/>
+              <a:buChar char="•"/>
+              <a:defRPr sz="1600" u="none" strike="noStrike" kern="1200" cap="none" spc="150" normalizeH="0" baseline="0">
+                <a:solidFill>
+                  <a:schemeClr val="tx1"/>
+                </a:solidFill>
+                <a:uFillTx/>
+                <a:latin typeface="微软雅黑" panose="020B0503020204020204" charset="-122"/>
+                <a:ea typeface="微软雅黑" panose="020B0503020204020204" charset="-122"/>
+                <a:cs typeface="+mn-cs"/>
+              </a:defRPr>
+            </a:lvl3pPr>
+            <a:lvl4pPr marL="1600200" indent="-228600" algn="l" defTabSz="914400" rtl="0" eaLnBrk="1" fontAlgn="auto" latinLnBrk="0" hangingPunct="1">
+              <a:lnSpc>
+                <a:spcPct val="130000"/>
+              </a:lnSpc>
+              <a:spcBef>
+                <a:spcPts val="0"/>
+              </a:spcBef>
+              <a:spcAft>
+                <a:spcPts val="1000"/>
+              </a:spcAft>
+              <a:buFont typeface="Arial" panose="020B0604020202020204" pitchFamily="34" charset="0"/>
+              <a:buChar char="•"/>
+              <a:defRPr sz="1600" u="none" strike="noStrike" kern="1200" cap="none" spc="150" normalizeH="0" baseline="0">
+                <a:solidFill>
+                  <a:schemeClr val="tx1"/>
+                </a:solidFill>
+                <a:uFillTx/>
+                <a:latin typeface="微软雅黑" panose="020B0503020204020204" charset="-122"/>
+                <a:ea typeface="微软雅黑" panose="020B0503020204020204" charset="-122"/>
+                <a:cs typeface="+mn-cs"/>
+              </a:defRPr>
+            </a:lvl4pPr>
+            <a:lvl5pPr marL="2057400" indent="-228600" algn="l" defTabSz="914400" rtl="0" eaLnBrk="1" fontAlgn="auto" latinLnBrk="0" hangingPunct="1">
+              <a:lnSpc>
+                <a:spcPct val="130000"/>
+              </a:lnSpc>
+              <a:spcBef>
+                <a:spcPts val="0"/>
+              </a:spcBef>
+              <a:spcAft>
+                <a:spcPts val="1000"/>
+              </a:spcAft>
+              <a:buFont typeface="Arial" panose="020B0604020202020204" pitchFamily="34" charset="0"/>
+              <a:buChar char="•"/>
+              <a:defRPr sz="1600" u="none" strike="noStrike" kern="1200" cap="none" spc="150" normalizeH="0" baseline="0">
+                <a:solidFill>
+                  <a:schemeClr val="tx1"/>
+                </a:solidFill>
+                <a:uFillTx/>
+                <a:latin typeface="微软雅黑" panose="020B0503020204020204" charset="-122"/>
+                <a:ea typeface="微软雅黑" panose="020B0503020204020204" charset="-122"/>
+                <a:cs typeface="+mn-cs"/>
+              </a:defRPr>
+            </a:lvl5pPr>
+            <a:lvl6pPr marL="2514600" indent="-228600" algn="l" defTabSz="914400" rtl="0" eaLnBrk="1" latinLnBrk="0" hangingPunct="1">
+              <a:lnSpc>
+                <a:spcPct val="90000"/>
+              </a:lnSpc>
+              <a:spcBef>
+                <a:spcPts val="500"/>
+              </a:spcBef>
+              <a:buFont typeface="Arial" panose="020B0604020202020204" pitchFamily="34" charset="0"/>
+              <a:buChar char="•"/>
+              <a:defRPr sz="1800" kern="1200">
+                <a:solidFill>
+                  <a:schemeClr val="tx1"/>
+                </a:solidFill>
+                <a:latin typeface="+mn-lt"/>
+                <a:ea typeface="+mn-ea"/>
+                <a:cs typeface="+mn-cs"/>
+              </a:defRPr>
+            </a:lvl6pPr>
+            <a:lvl7pPr marL="2971800" indent="-228600" algn="l" defTabSz="914400" rtl="0" eaLnBrk="1" latinLnBrk="0" hangingPunct="1">
+              <a:lnSpc>
+                <a:spcPct val="90000"/>
+              </a:lnSpc>
+              <a:spcBef>
+                <a:spcPts val="500"/>
+              </a:spcBef>
+              <a:buFont typeface="Arial" panose="020B0604020202020204" pitchFamily="34" charset="0"/>
+              <a:buChar char="•"/>
+              <a:defRPr sz="1800" kern="1200">
+                <a:solidFill>
+                  <a:schemeClr val="tx1"/>
+                </a:solidFill>
+                <a:latin typeface="+mn-lt"/>
+                <a:ea typeface="+mn-ea"/>
+                <a:cs typeface="+mn-cs"/>
+              </a:defRPr>
+            </a:lvl7pPr>
+            <a:lvl8pPr marL="3429000" indent="-228600" algn="l" defTabSz="914400" rtl="0" eaLnBrk="1" latinLnBrk="0" hangingPunct="1">
+              <a:lnSpc>
+                <a:spcPct val="90000"/>
+              </a:lnSpc>
+              <a:spcBef>
+                <a:spcPts val="500"/>
+              </a:spcBef>
+              <a:buFont typeface="Arial" panose="020B0604020202020204" pitchFamily="34" charset="0"/>
+              <a:buChar char="•"/>
+              <a:defRPr sz="1800" kern="1200">
+                <a:solidFill>
+                  <a:schemeClr val="tx1"/>
+                </a:solidFill>
+                <a:latin typeface="+mn-lt"/>
+                <a:ea typeface="+mn-ea"/>
+                <a:cs typeface="+mn-cs"/>
+              </a:defRPr>
+            </a:lvl8pPr>
+            <a:lvl9pPr marL="3886200" indent="-228600" algn="l" defTabSz="914400" rtl="0" eaLnBrk="1" latinLnBrk="0" hangingPunct="1">
+              <a:lnSpc>
+                <a:spcPct val="90000"/>
+              </a:lnSpc>
+              <a:spcBef>
+                <a:spcPts val="500"/>
+              </a:spcBef>
+              <a:buFont typeface="Arial" panose="020B0604020202020204" pitchFamily="34" charset="0"/>
+              <a:buChar char="•"/>
+              <a:defRPr sz="1800" kern="1200">
+                <a:solidFill>
+                  <a:schemeClr val="tx1"/>
+                </a:solidFill>
+                <a:latin typeface="+mn-lt"/>
+                <a:ea typeface="+mn-ea"/>
+                <a:cs typeface="+mn-cs"/>
+              </a:defRPr>
+            </a:lvl9pPr>
+          </a:lstStyle>
+          <a:p>
+            <a:pPr marR="0" lvl="0" indent="0" algn="just" defTabSz="914400" rtl="0" eaLnBrk="1" fontAlgn="auto" latinLnBrk="0" hangingPunct="1">
+              <a:lnSpc>
+                <a:spcPct val="130000"/>
+              </a:lnSpc>
+              <a:spcBef>
+                <a:spcPts val="0"/>
+              </a:spcBef>
+              <a:spcAft>
+                <a:spcPts val="800"/>
+              </a:spcAft>
+              <a:buClrTx/>
+              <a:buSzTx/>
+              <a:buFont typeface="Arial" panose="020B0604020202020204" pitchFamily="34" charset="0"/>
+              <a:buNone/>
+              <a:defRPr/>
+            </a:pPr>
+            <a:r>
+              <a:rPr b="1" spc="0" dirty="0">
+                <a:solidFill>
+                  <a:schemeClr val="tx1">
+                    <a:lumMod val="65000"/>
+                    <a:lumOff val="35000"/>
+                  </a:schemeClr>
+                </a:solidFill>
+                <a:latin typeface="隶书" panose="02010509060101010101" charset="-122"/>
+                <a:ea typeface="隶书" panose="02010509060101010101" charset="-122"/>
+              </a:rPr>
+              <a:t>InstanceResource</a:t>
+            </a:r>
+            <a:r>
+              <a:rPr spc="0" dirty="0">
+                <a:solidFill>
+                  <a:schemeClr val="tx1">
+                    <a:lumMod val="65000"/>
+                    <a:lumOff val="35000"/>
+                  </a:schemeClr>
+                </a:solidFill>
+                <a:latin typeface="隶书" panose="02010509060101010101" charset="-122"/>
+                <a:ea typeface="隶书" panose="02010509060101010101" charset="-122"/>
+              </a:rPr>
+              <a:t>#renewLease()</a:t>
+            </a:r>
+            <a:endParaRPr spc="0" dirty="0">
+              <a:solidFill>
+                <a:schemeClr val="tx1">
+                  <a:lumMod val="65000"/>
+                  <a:lumOff val="35000"/>
+                </a:schemeClr>
+              </a:solidFill>
+              <a:latin typeface="隶书" panose="02010509060101010101" charset="-122"/>
+              <a:ea typeface="隶书" panose="02010509060101010101" charset="-122"/>
+            </a:endParaRPr>
+          </a:p>
+          <a:p>
+            <a:pPr marR="0" lvl="0" indent="0" algn="just" defTabSz="914400" rtl="0" eaLnBrk="1" fontAlgn="auto" latinLnBrk="0" hangingPunct="1">
+              <a:lnSpc>
+                <a:spcPct val="130000"/>
+              </a:lnSpc>
+              <a:spcBef>
+                <a:spcPts val="0"/>
+              </a:spcBef>
+              <a:spcAft>
+                <a:spcPts val="800"/>
+              </a:spcAft>
+              <a:buClrTx/>
+              <a:buSzTx/>
+              <a:buFont typeface="Arial" panose="020B0604020202020204" pitchFamily="34" charset="0"/>
+              <a:buNone/>
+              <a:defRPr/>
+            </a:pPr>
+            <a:r>
+              <a:rPr spc="0" dirty="0">
+                <a:solidFill>
+                  <a:schemeClr val="tx1">
+                    <a:lumMod val="65000"/>
+                    <a:lumOff val="35000"/>
+                  </a:schemeClr>
+                </a:solidFill>
+                <a:latin typeface="隶书" panose="02010509060101010101" charset="-122"/>
+                <a:ea typeface="隶书" panose="02010509060101010101" charset="-122"/>
+              </a:rPr>
+              <a:t>renew()</a:t>
+            </a:r>
+            <a:endParaRPr spc="0" dirty="0">
+              <a:solidFill>
+                <a:schemeClr val="tx1">
+                  <a:lumMod val="65000"/>
+                  <a:lumOff val="35000"/>
+                </a:schemeClr>
+              </a:solidFill>
+              <a:latin typeface="隶书" panose="02010509060101010101" charset="-122"/>
+              <a:ea typeface="隶书" panose="02010509060101010101" charset="-122"/>
+            </a:endParaRPr>
+          </a:p>
+          <a:p>
+            <a:pPr marR="0" lvl="0" indent="0" algn="just" defTabSz="914400" rtl="0" eaLnBrk="1" fontAlgn="auto" latinLnBrk="0" hangingPunct="1">
+              <a:lnSpc>
+                <a:spcPct val="130000"/>
+              </a:lnSpc>
+              <a:spcBef>
+                <a:spcPts val="0"/>
+              </a:spcBef>
+              <a:spcAft>
+                <a:spcPts val="800"/>
+              </a:spcAft>
+              <a:buClrTx/>
+              <a:buSzTx/>
+              <a:buFont typeface="Arial" panose="020B0604020202020204" pitchFamily="34" charset="0"/>
+              <a:buNone/>
+              <a:defRPr/>
+            </a:pPr>
+            <a:r>
+              <a:rPr spc="0" dirty="0">
+                <a:solidFill>
+                  <a:schemeClr val="tx1">
+                    <a:lumMod val="65000"/>
+                    <a:lumOff val="35000"/>
+                  </a:schemeClr>
+                </a:solidFill>
+                <a:latin typeface="隶书" panose="02010509060101010101" charset="-122"/>
+                <a:ea typeface="隶书" panose="02010509060101010101" charset="-122"/>
+              </a:rPr>
+              <a:t>InstanceResource#cancelLease()</a:t>
+            </a:r>
+            <a:endParaRPr spc="0" dirty="0">
+              <a:solidFill>
+                <a:schemeClr val="tx1">
+                  <a:lumMod val="65000"/>
+                  <a:lumOff val="35000"/>
+                </a:schemeClr>
+              </a:solidFill>
+              <a:latin typeface="隶书" panose="02010509060101010101" charset="-122"/>
+              <a:ea typeface="隶书" panose="02010509060101010101" charset="-122"/>
+            </a:endParaRPr>
+          </a:p>
+          <a:p>
+            <a:pPr marR="0" lvl="0" indent="0" algn="just" defTabSz="914400" rtl="0" eaLnBrk="1" fontAlgn="auto" latinLnBrk="0" hangingPunct="1">
+              <a:lnSpc>
+                <a:spcPct val="130000"/>
+              </a:lnSpc>
+              <a:spcBef>
+                <a:spcPts val="0"/>
+              </a:spcBef>
+              <a:spcAft>
+                <a:spcPts val="800"/>
+              </a:spcAft>
+              <a:buClrTx/>
+              <a:buSzTx/>
+              <a:buFont typeface="Arial" panose="020B0604020202020204" pitchFamily="34" charset="0"/>
+              <a:buNone/>
+              <a:defRPr/>
+            </a:pPr>
+            <a:r>
+              <a:rPr spc="0" dirty="0">
+                <a:solidFill>
+                  <a:schemeClr val="tx1">
+                    <a:lumMod val="65000"/>
+                    <a:lumOff val="35000"/>
+                  </a:schemeClr>
+                </a:solidFill>
+                <a:latin typeface="隶书" panose="02010509060101010101" charset="-122"/>
+                <a:ea typeface="隶书" panose="02010509060101010101" charset="-122"/>
+              </a:rPr>
+              <a:t>internalCancel()</a:t>
+            </a:r>
+            <a:endParaRPr spc="0" dirty="0">
+              <a:solidFill>
+                <a:schemeClr val="tx1">
+                  <a:lumMod val="65000"/>
+                  <a:lumOff val="35000"/>
+                </a:schemeClr>
+              </a:solidFill>
+              <a:latin typeface="隶书" panose="02010509060101010101" charset="-122"/>
+              <a:ea typeface="隶书" panose="02010509060101010101" charset="-122"/>
+            </a:endParaRPr>
+          </a:p>
+          <a:p>
+            <a:pPr marR="0" lvl="0" indent="0" algn="just" defTabSz="914400" rtl="0" eaLnBrk="1" fontAlgn="auto" latinLnBrk="0" hangingPunct="1">
+              <a:lnSpc>
+                <a:spcPct val="130000"/>
+              </a:lnSpc>
+              <a:spcBef>
+                <a:spcPts val="0"/>
+              </a:spcBef>
+              <a:spcAft>
+                <a:spcPts val="800"/>
+              </a:spcAft>
+              <a:buClrTx/>
+              <a:buSzTx/>
+              <a:buFont typeface="Arial" panose="020B0604020202020204" pitchFamily="34" charset="0"/>
+              <a:buNone/>
+              <a:defRPr/>
+            </a:pPr>
+            <a:endParaRPr spc="0" dirty="0">
+              <a:solidFill>
+                <a:schemeClr val="tx1">
+                  <a:lumMod val="65000"/>
+                  <a:lumOff val="35000"/>
+                </a:schemeClr>
+              </a:solidFill>
+              <a:latin typeface="隶书" panose="02010509060101010101" charset="-122"/>
+              <a:ea typeface="隶书" panose="02010509060101010101" charset="-122"/>
+            </a:endParaRPr>
+          </a:p>
+          <a:p>
+            <a:pPr marR="0" lvl="0" indent="0" algn="just" defTabSz="914400" rtl="0" eaLnBrk="1" fontAlgn="auto" latinLnBrk="0" hangingPunct="1">
+              <a:lnSpc>
+                <a:spcPct val="130000"/>
+              </a:lnSpc>
+              <a:spcBef>
+                <a:spcPts val="0"/>
+              </a:spcBef>
+              <a:spcAft>
+                <a:spcPts val="800"/>
+              </a:spcAft>
+              <a:buClrTx/>
+              <a:buSzTx/>
+              <a:buFont typeface="Arial" panose="020B0604020202020204" pitchFamily="34" charset="0"/>
+              <a:buNone/>
+              <a:defRPr/>
+            </a:pPr>
+            <a:r>
+              <a:rPr b="1" spc="0" dirty="0">
+                <a:solidFill>
+                  <a:schemeClr val="tx1">
+                    <a:lumMod val="65000"/>
+                    <a:lumOff val="35000"/>
+                  </a:schemeClr>
+                </a:solidFill>
+                <a:latin typeface="隶书" panose="02010509060101010101" charset="-122"/>
+                <a:ea typeface="隶书" panose="02010509060101010101" charset="-122"/>
+              </a:rPr>
+              <a:t>EurekaServerAutoConfiguration </a:t>
+            </a:r>
+            <a:r>
+              <a:rPr lang="en-US" spc="0" dirty="0">
+                <a:solidFill>
+                  <a:schemeClr val="tx1">
+                    <a:lumMod val="65000"/>
+                    <a:lumOff val="35000"/>
+                  </a:schemeClr>
+                </a:solidFill>
+                <a:latin typeface="隶书" panose="02010509060101010101" charset="-122"/>
+                <a:ea typeface="隶书" panose="02010509060101010101" charset="-122"/>
+              </a:rPr>
+              <a:t>-&gt; EurekaServerInitializerConfiguration -&gt;</a:t>
+            </a:r>
+            <a:endParaRPr lang="en-US" spc="0" dirty="0">
+              <a:solidFill>
+                <a:schemeClr val="tx1">
+                  <a:lumMod val="65000"/>
+                  <a:lumOff val="35000"/>
+                </a:schemeClr>
+              </a:solidFill>
+              <a:latin typeface="隶书" panose="02010509060101010101" charset="-122"/>
+              <a:ea typeface="隶书" panose="02010509060101010101" charset="-122"/>
+            </a:endParaRPr>
+          </a:p>
+          <a:p>
+            <a:pPr marR="0" lvl="0" indent="0" algn="just" defTabSz="914400" rtl="0" eaLnBrk="1" fontAlgn="auto" latinLnBrk="0" hangingPunct="1">
+              <a:lnSpc>
+                <a:spcPct val="130000"/>
+              </a:lnSpc>
+              <a:spcBef>
+                <a:spcPts val="0"/>
+              </a:spcBef>
+              <a:spcAft>
+                <a:spcPts val="800"/>
+              </a:spcAft>
+              <a:buClrTx/>
+              <a:buSzTx/>
+              <a:buFont typeface="Arial" panose="020B0604020202020204" pitchFamily="34" charset="0"/>
+              <a:buNone/>
+              <a:defRPr/>
+            </a:pPr>
+            <a:r>
+              <a:rPr lang="en-US" spc="0" dirty="0">
+                <a:solidFill>
+                  <a:schemeClr val="tx1">
+                    <a:lumMod val="65000"/>
+                    <a:lumOff val="35000"/>
+                  </a:schemeClr>
+                </a:solidFill>
+                <a:latin typeface="隶书" panose="02010509060101010101" charset="-122"/>
+                <a:ea typeface="隶书" panose="02010509060101010101" charset="-122"/>
+              </a:rPr>
+              <a:t>AbstractInstanceRegistry#postInit() -&gt; EvictionTask#evict()</a:t>
+            </a:r>
+            <a:endParaRPr lang="en-US" spc="0" dirty="0">
+              <a:solidFill>
+                <a:schemeClr val="tx1">
+                  <a:lumMod val="65000"/>
+                  <a:lumOff val="35000"/>
+                </a:schemeClr>
+              </a:solidFill>
+              <a:latin typeface="隶书" panose="02010509060101010101" charset="-122"/>
+              <a:ea typeface="隶书" panose="02010509060101010101" charset="-122"/>
+            </a:endParaRPr>
+          </a:p>
+          <a:p>
+            <a:pPr marR="0" lvl="0" indent="0" algn="just" defTabSz="914400" rtl="0" eaLnBrk="1" fontAlgn="auto" latinLnBrk="0" hangingPunct="1">
+              <a:lnSpc>
+                <a:spcPct val="130000"/>
+              </a:lnSpc>
+              <a:spcBef>
+                <a:spcPts val="0"/>
+              </a:spcBef>
+              <a:spcAft>
+                <a:spcPts val="800"/>
+              </a:spcAft>
+              <a:buClrTx/>
+              <a:buSzTx/>
+              <a:buFont typeface="Arial" panose="020B0604020202020204" pitchFamily="34" charset="0"/>
+              <a:buNone/>
+              <a:defRPr/>
+            </a:pPr>
+            <a:r>
+              <a:rPr lang="en-US" b="1" spc="0" dirty="0">
+                <a:solidFill>
+                  <a:schemeClr val="tx1">
+                    <a:lumMod val="65000"/>
+                    <a:lumOff val="35000"/>
+                  </a:schemeClr>
+                </a:solidFill>
+                <a:latin typeface="隶书" panose="02010509060101010101" charset="-122"/>
+                <a:ea typeface="隶书" panose="02010509060101010101" charset="-122"/>
+              </a:rPr>
+              <a:t>PeerAwareInstanceRegistryImpl</a:t>
+            </a:r>
+            <a:r>
+              <a:rPr lang="en-US" spc="0" dirty="0">
+                <a:solidFill>
+                  <a:schemeClr val="tx1">
+                    <a:lumMod val="65000"/>
+                    <a:lumOff val="35000"/>
+                  </a:schemeClr>
+                </a:solidFill>
+                <a:latin typeface="隶书" panose="02010509060101010101" charset="-122"/>
+                <a:ea typeface="隶书" panose="02010509060101010101" charset="-122"/>
+              </a:rPr>
+              <a:t>#replicateToPeers()</a:t>
+            </a:r>
+            <a:endParaRPr lang="en-US" spc="0" dirty="0">
+              <a:solidFill>
+                <a:schemeClr val="tx1">
+                  <a:lumMod val="65000"/>
+                  <a:lumOff val="35000"/>
+                </a:schemeClr>
+              </a:solidFill>
+              <a:latin typeface="隶书" panose="02010509060101010101" charset="-122"/>
+              <a:ea typeface="隶书" panose="02010509060101010101" charset="-122"/>
+            </a:endParaRPr>
+          </a:p>
+        </p:txBody>
+      </p:sp>
+      <p:sp>
+        <p:nvSpPr>
+          <p:cNvPr id="3" name="文本框 2"/>
+          <p:cNvSpPr txBox="1"/>
+          <p:nvPr>
+            <p:custDataLst>
+              <p:tags r:id="rId2"/>
+            </p:custDataLst>
+          </p:nvPr>
+        </p:nvSpPr>
+        <p:spPr>
+          <a:xfrm>
+            <a:off x="608400" y="608400"/>
+            <a:ext cx="10970823" cy="706755"/>
+          </a:xfrm>
+          <a:prstGeom prst="rect">
+            <a:avLst/>
+          </a:prstGeom>
+        </p:spPr>
+        <p:txBody>
+          <a:bodyPr vert="horz" lIns="90170" tIns="46990" rIns="90170" bIns="46990" rtlCol="0" anchor="ctr" anchorCtr="0">
+            <a:normAutofit/>
+          </a:bodyPr>
+          <a:lstStyle>
+            <a:lvl1pPr marR="0" fontAlgn="auto">
+              <a:lnSpc>
+                <a:spcPct val="100000"/>
+              </a:lnSpc>
+              <a:spcBef>
+                <a:spcPct val="0"/>
+              </a:spcBef>
+              <a:buNone/>
+              <a:defRPr kumimoji="0" lang="zh-CN" altLang="en-US" sz="3600" b="1" i="0" u="none" strike="noStrike" cap="none" spc="300" normalizeH="0" baseline="0" noProof="1" dirty="0">
+                <a:solidFill>
+                  <a:schemeClr val="tx1">
+                    <a:lumMod val="85000"/>
+                    <a:lumOff val="15000"/>
+                  </a:schemeClr>
+                </a:solidFill>
+                <a:uFillTx/>
+                <a:latin typeface="微软雅黑" panose="020B0503020204020204" charset="-122"/>
+                <a:ea typeface="微软雅黑" panose="020B0503020204020204" charset="-122"/>
+                <a:cs typeface="+mj-cs"/>
+                <a:sym typeface="+mn-ea"/>
+              </a:defRPr>
+            </a:lvl1pPr>
+          </a:lstStyle>
+          <a:p>
+            <a:r>
+              <a:rPr dirty="0">
+                <a:solidFill>
+                  <a:schemeClr val="tx1">
+                    <a:lumMod val="85000"/>
+                    <a:lumOff val="15000"/>
+                  </a:schemeClr>
+                </a:solidFill>
+                <a:uFillTx/>
+                <a:latin typeface="隶书" panose="02010509060101010101" charset="-122"/>
+                <a:ea typeface="隶书" panose="02010509060101010101" charset="-122"/>
+              </a:rPr>
+              <a:t>服务端源码</a:t>
+            </a:r>
+            <a:endParaRPr dirty="0">
+              <a:solidFill>
+                <a:schemeClr val="tx1">
+                  <a:lumMod val="85000"/>
+                  <a:lumOff val="15000"/>
+                </a:schemeClr>
+              </a:solidFill>
+              <a:uFillTx/>
+              <a:latin typeface="隶书" panose="02010509060101010101" charset="-122"/>
+              <a:ea typeface="隶书" panose="02010509060101010101" charset="-122"/>
+            </a:endParaRPr>
+          </a:p>
+        </p:txBody>
+      </p:sp>
+    </p:spTree>
+    <p:custDataLst>
+      <p:tags r:id="rId3"/>
+    </p:custDataLst>
+  </p:cSld>
+  <p:clrMapOvr>
+    <a:masterClrMapping/>
+  </p:clrMapOvr>
+</p:sld>
+</file>
+
+<file path=ppt/slides/slide6.xml><?xml version="1.0" encoding="utf-8"?>
+<p:sld xmlns:a="http://schemas.openxmlformats.org/drawingml/2006/main" xmlns:r="http://schemas.openxmlformats.org/officeDocument/2006/relationships" xmlns:p="http://schemas.openxmlformats.org/presentationml/2006/main">
+  <p:cSld>
+    <p:spTree>
+      <p:nvGrpSpPr>
+        <p:cNvPr id="1" name=""/>
+        <p:cNvGrpSpPr/>
+        <p:nvPr/>
+      </p:nvGrpSpPr>
+      <p:grpSpPr>
+        <a:xfrm>
+          <a:off x="0" y="0"/>
+          <a:ext cx="0" cy="0"/>
+          <a:chOff x="0" y="0"/>
+          <a:chExt cx="0" cy="0"/>
+        </a:xfrm>
+      </p:grpSpPr>
+      <p:sp>
+        <p:nvSpPr>
+          <p:cNvPr id="2" name="内容占位符 1"/>
+          <p:cNvSpPr txBox="1"/>
+          <p:nvPr>
+            <p:custDataLst>
+              <p:tags r:id="rId1"/>
+            </p:custDataLst>
+          </p:nvPr>
+        </p:nvSpPr>
+        <p:spPr>
+          <a:xfrm>
+            <a:off x="608400" y="1491101"/>
+            <a:ext cx="10970190" cy="4758499"/>
+          </a:xfrm>
+          <a:prstGeom prst="rect">
+            <a:avLst/>
+          </a:prstGeom>
+        </p:spPr>
+        <p:txBody>
+          <a:bodyPr>
+            <a:normAutofit/>
+          </a:bodyPr>
+          <a:lstStyle>
+            <a:lvl1pPr marL="228600" indent="-228600" algn="l" defTabSz="914400" rtl="0" eaLnBrk="1" fontAlgn="auto" latinLnBrk="0" hangingPunct="1">
+              <a:lnSpc>
+                <a:spcPct val="130000"/>
+              </a:lnSpc>
+              <a:spcBef>
+                <a:spcPts val="0"/>
+              </a:spcBef>
+              <a:spcAft>
+                <a:spcPts val="1000"/>
+              </a:spcAft>
+              <a:buFont typeface="Arial" panose="020B0604020202020204" pitchFamily="34" charset="0"/>
+              <a:buChar char="•"/>
+              <a:defRPr sz="1600" u="none" strike="noStrike" kern="1200" cap="none" spc="150" normalizeH="0" baseline="0">
+                <a:solidFill>
+                  <a:schemeClr val="tx1"/>
+                </a:solidFill>
+                <a:uFillTx/>
+                <a:latin typeface="微软雅黑" panose="020B0503020204020204" charset="-122"/>
+                <a:ea typeface="微软雅黑" panose="020B0503020204020204" charset="-122"/>
+                <a:cs typeface="+mn-cs"/>
+              </a:defRPr>
+            </a:lvl1pPr>
+            <a:lvl2pPr marL="685800" indent="-228600" algn="l" defTabSz="914400" rtl="0" eaLnBrk="1" fontAlgn="auto" latinLnBrk="0" hangingPunct="1">
+              <a:lnSpc>
+                <a:spcPct val="130000"/>
+              </a:lnSpc>
+              <a:spcBef>
+                <a:spcPts val="0"/>
+              </a:spcBef>
+              <a:spcAft>
+                <a:spcPts val="1000"/>
+              </a:spcAft>
+              <a:buFont typeface="Arial" panose="020B0604020202020204" pitchFamily="34" charset="0"/>
+              <a:buChar char="•"/>
+              <a:tabLst>
+                <a:tab pos="1609725" algn="l"/>
+              </a:tabLst>
+              <a:defRPr sz="1600" u="none" strike="noStrike" kern="1200" cap="none" spc="150" normalizeH="0" baseline="0">
+                <a:solidFill>
+                  <a:schemeClr val="tx1"/>
+                </a:solidFill>
+                <a:uFillTx/>
+                <a:latin typeface="微软雅黑" panose="020B0503020204020204" charset="-122"/>
+                <a:ea typeface="微软雅黑" panose="020B0503020204020204" charset="-122"/>
+                <a:cs typeface="+mn-cs"/>
+              </a:defRPr>
+            </a:lvl2pPr>
+            <a:lvl3pPr marL="1143000" indent="-228600" algn="l" defTabSz="914400" rtl="0" eaLnBrk="1" fontAlgn="auto" latinLnBrk="0" hangingPunct="1">
+              <a:lnSpc>
+                <a:spcPct val="130000"/>
+              </a:lnSpc>
+              <a:spcBef>
+                <a:spcPts val="0"/>
+              </a:spcBef>
+              <a:spcAft>
+                <a:spcPts val="1000"/>
+              </a:spcAft>
+              <a:buFont typeface="Arial" panose="020B0604020202020204" pitchFamily="34" charset="0"/>
+              <a:buChar char="•"/>
+              <a:defRPr sz="1600" u="none" strike="noStrike" kern="1200" cap="none" spc="150" normalizeH="0" baseline="0">
+                <a:solidFill>
+                  <a:schemeClr val="tx1"/>
+                </a:solidFill>
+                <a:uFillTx/>
+                <a:latin typeface="微软雅黑" panose="020B0503020204020204" charset="-122"/>
+                <a:ea typeface="微软雅黑" panose="020B0503020204020204" charset="-122"/>
+                <a:cs typeface="+mn-cs"/>
+              </a:defRPr>
+            </a:lvl3pPr>
+            <a:lvl4pPr marL="1600200" indent="-228600" algn="l" defTabSz="914400" rtl="0" eaLnBrk="1" fontAlgn="auto" latinLnBrk="0" hangingPunct="1">
+              <a:lnSpc>
+                <a:spcPct val="130000"/>
+              </a:lnSpc>
+              <a:spcBef>
+                <a:spcPts val="0"/>
+              </a:spcBef>
+              <a:spcAft>
+                <a:spcPts val="1000"/>
+              </a:spcAft>
+              <a:buFont typeface="Arial" panose="020B0604020202020204" pitchFamily="34" charset="0"/>
+              <a:buChar char="•"/>
+              <a:defRPr sz="1600" u="none" strike="noStrike" kern="1200" cap="none" spc="150" normalizeH="0" baseline="0">
+                <a:solidFill>
+                  <a:schemeClr val="tx1"/>
+                </a:solidFill>
+                <a:uFillTx/>
+                <a:latin typeface="微软雅黑" panose="020B0503020204020204" charset="-122"/>
+                <a:ea typeface="微软雅黑" panose="020B0503020204020204" charset="-122"/>
+                <a:cs typeface="+mn-cs"/>
+              </a:defRPr>
+            </a:lvl4pPr>
+            <a:lvl5pPr marL="2057400" indent="-228600" algn="l" defTabSz="914400" rtl="0" eaLnBrk="1" fontAlgn="auto" latinLnBrk="0" hangingPunct="1">
+              <a:lnSpc>
+                <a:spcPct val="130000"/>
+              </a:lnSpc>
+              <a:spcBef>
+                <a:spcPts val="0"/>
+              </a:spcBef>
+              <a:spcAft>
+                <a:spcPts val="1000"/>
+              </a:spcAft>
+              <a:buFont typeface="Arial" panose="020B0604020202020204" pitchFamily="34" charset="0"/>
+              <a:buChar char="•"/>
+              <a:defRPr sz="1600" u="none" strike="noStrike" kern="1200" cap="none" spc="150" normalizeH="0" baseline="0">
+                <a:solidFill>
+                  <a:schemeClr val="tx1"/>
+                </a:solidFill>
+                <a:uFillTx/>
+                <a:latin typeface="微软雅黑" panose="020B0503020204020204" charset="-122"/>
+                <a:ea typeface="微软雅黑" panose="020B0503020204020204" charset="-122"/>
+                <a:cs typeface="+mn-cs"/>
+              </a:defRPr>
+            </a:lvl5pPr>
+            <a:lvl6pPr marL="2514600" indent="-228600" algn="l" defTabSz="914400" rtl="0" eaLnBrk="1" latinLnBrk="0" hangingPunct="1">
+              <a:lnSpc>
+                <a:spcPct val="90000"/>
+              </a:lnSpc>
+              <a:spcBef>
+                <a:spcPts val="500"/>
+              </a:spcBef>
+              <a:buFont typeface="Arial" panose="020B0604020202020204" pitchFamily="34" charset="0"/>
+              <a:buChar char="•"/>
+              <a:defRPr sz="1800" kern="1200">
+                <a:solidFill>
+                  <a:schemeClr val="tx1"/>
+                </a:solidFill>
+                <a:latin typeface="+mn-lt"/>
+                <a:ea typeface="+mn-ea"/>
+                <a:cs typeface="+mn-cs"/>
+              </a:defRPr>
+            </a:lvl6pPr>
+            <a:lvl7pPr marL="2971800" indent="-228600" algn="l" defTabSz="914400" rtl="0" eaLnBrk="1" latinLnBrk="0" hangingPunct="1">
+              <a:lnSpc>
+                <a:spcPct val="90000"/>
+              </a:lnSpc>
+              <a:spcBef>
+                <a:spcPts val="500"/>
+              </a:spcBef>
+              <a:buFont typeface="Arial" panose="020B0604020202020204" pitchFamily="34" charset="0"/>
+              <a:buChar char="•"/>
+              <a:defRPr sz="1800" kern="1200">
+                <a:solidFill>
+                  <a:schemeClr val="tx1"/>
+                </a:solidFill>
+                <a:latin typeface="+mn-lt"/>
+                <a:ea typeface="+mn-ea"/>
+                <a:cs typeface="+mn-cs"/>
+              </a:defRPr>
+            </a:lvl7pPr>
+            <a:lvl8pPr marL="3429000" indent="-228600" algn="l" defTabSz="914400" rtl="0" eaLnBrk="1" latinLnBrk="0" hangingPunct="1">
+              <a:lnSpc>
+                <a:spcPct val="90000"/>
+              </a:lnSpc>
+              <a:spcBef>
+                <a:spcPts val="500"/>
+              </a:spcBef>
+              <a:buFont typeface="Arial" panose="020B0604020202020204" pitchFamily="34" charset="0"/>
+              <a:buChar char="•"/>
+              <a:defRPr sz="1800" kern="1200">
+                <a:solidFill>
+                  <a:schemeClr val="tx1"/>
+                </a:solidFill>
+                <a:latin typeface="+mn-lt"/>
+                <a:ea typeface="+mn-ea"/>
+                <a:cs typeface="+mn-cs"/>
+              </a:defRPr>
+            </a:lvl8pPr>
+            <a:lvl9pPr marL="3886200" indent="-228600" algn="l" defTabSz="914400" rtl="0" eaLnBrk="1" latinLnBrk="0" hangingPunct="1">
+              <a:lnSpc>
+                <a:spcPct val="90000"/>
+              </a:lnSpc>
+              <a:spcBef>
+                <a:spcPts val="500"/>
+              </a:spcBef>
+              <a:buFont typeface="Arial" panose="020B0604020202020204" pitchFamily="34" charset="0"/>
+              <a:buChar char="•"/>
+              <a:defRPr sz="1800" kern="1200">
+                <a:solidFill>
+                  <a:schemeClr val="tx1"/>
+                </a:solidFill>
+                <a:latin typeface="+mn-lt"/>
+                <a:ea typeface="+mn-ea"/>
+                <a:cs typeface="+mn-cs"/>
+              </a:defRPr>
+            </a:lvl9pPr>
+          </a:lstStyle>
+          <a:p>
+            <a:pPr marR="0" lvl="0" indent="0" algn="just" defTabSz="914400" rtl="0" eaLnBrk="1" fontAlgn="auto" latinLnBrk="0" hangingPunct="1">
+              <a:lnSpc>
+                <a:spcPct val="130000"/>
+              </a:lnSpc>
+              <a:spcBef>
+                <a:spcPts val="0"/>
+              </a:spcBef>
+              <a:spcAft>
+                <a:spcPts val="800"/>
+              </a:spcAft>
+              <a:buClrTx/>
+              <a:buSzTx/>
+              <a:buFont typeface="Arial" panose="020B0604020202020204" pitchFamily="34" charset="0"/>
+              <a:buNone/>
+              <a:defRPr/>
+            </a:pPr>
+            <a:r>
+              <a:rPr lang="en-US" spc="0" dirty="0">
+                <a:solidFill>
+                  <a:schemeClr val="tx1">
+                    <a:lumMod val="65000"/>
+                    <a:lumOff val="35000"/>
+                  </a:schemeClr>
+                </a:solidFill>
+                <a:latin typeface="隶书" panose="02010509060101010101" charset="-122"/>
+                <a:ea typeface="隶书" panose="02010509060101010101" charset="-122"/>
+              </a:rPr>
+              <a:t>https://www.cnblogs.com/trust-freedom/p/10218145.html</a:t>
+            </a:r>
+            <a:endParaRPr lang="en-US" spc="0" dirty="0">
+              <a:solidFill>
+                <a:schemeClr val="tx1">
+                  <a:lumMod val="65000"/>
+                  <a:lumOff val="35000"/>
+                </a:schemeClr>
+              </a:solidFill>
+              <a:latin typeface="隶书" panose="02010509060101010101" charset="-122"/>
+              <a:ea typeface="隶书" panose="02010509060101010101" charset="-122"/>
+            </a:endParaRPr>
+          </a:p>
+        </p:txBody>
+      </p:sp>
+      <p:sp>
+        <p:nvSpPr>
+          <p:cNvPr id="3" name="文本框 2"/>
+          <p:cNvSpPr txBox="1"/>
+          <p:nvPr>
+            <p:custDataLst>
+              <p:tags r:id="rId2"/>
+            </p:custDataLst>
+          </p:nvPr>
+        </p:nvSpPr>
+        <p:spPr>
+          <a:xfrm>
+            <a:off x="608400" y="608400"/>
+            <a:ext cx="10970823" cy="706755"/>
+          </a:xfrm>
+          <a:prstGeom prst="rect">
+            <a:avLst/>
+          </a:prstGeom>
+        </p:spPr>
+        <p:txBody>
+          <a:bodyPr vert="horz" lIns="90170" tIns="46990" rIns="90170" bIns="46990" rtlCol="0" anchor="ctr" anchorCtr="0">
+            <a:normAutofit/>
+          </a:bodyPr>
+          <a:lstStyle>
+            <a:lvl1pPr marR="0" fontAlgn="auto">
+              <a:lnSpc>
+                <a:spcPct val="100000"/>
+              </a:lnSpc>
+              <a:spcBef>
+                <a:spcPct val="0"/>
+              </a:spcBef>
+              <a:buNone/>
+              <a:defRPr kumimoji="0" lang="zh-CN" altLang="en-US" sz="3600" b="1" i="0" u="none" strike="noStrike" cap="none" spc="300" normalizeH="0" baseline="0" noProof="1" dirty="0">
+                <a:solidFill>
+                  <a:schemeClr val="tx1">
+                    <a:lumMod val="85000"/>
+                    <a:lumOff val="15000"/>
+                  </a:schemeClr>
+                </a:solidFill>
+                <a:uFillTx/>
+                <a:latin typeface="微软雅黑" panose="020B0503020204020204" charset="-122"/>
+                <a:ea typeface="微软雅黑" panose="020B0503020204020204" charset="-122"/>
+                <a:cs typeface="+mj-cs"/>
+                <a:sym typeface="+mn-ea"/>
+              </a:defRPr>
+            </a:lvl1pPr>
+          </a:lstStyle>
+          <a:p>
+            <a:r>
+              <a:rPr dirty="0">
+                <a:solidFill>
+                  <a:schemeClr val="tx1">
+                    <a:lumMod val="85000"/>
+                    <a:lumOff val="15000"/>
+                  </a:schemeClr>
+                </a:solidFill>
+                <a:uFillTx/>
+                <a:latin typeface="隶书" panose="02010509060101010101" charset="-122"/>
+                <a:ea typeface="隶书" panose="02010509060101010101" charset="-122"/>
+              </a:rPr>
+              <a:t>服务端源码</a:t>
+            </a:r>
+            <a:endParaRPr dirty="0">
+              <a:solidFill>
+                <a:schemeClr val="tx1">
+                  <a:lumMod val="85000"/>
+                  <a:lumOff val="15000"/>
+                </a:schemeClr>
+              </a:solidFill>
+              <a:uFillTx/>
+              <a:latin typeface="隶书" panose="02010509060101010101" charset="-122"/>
+              <a:ea typeface="隶书" panose="02010509060101010101" charset="-122"/>
+            </a:endParaRPr>
+          </a:p>
+        </p:txBody>
+      </p:sp>
+    </p:spTree>
+    <p:custDataLst>
+      <p:tags r:id="rId3"/>
+    </p:custDataLst>
+  </p:cSld>
+  <p:clrMapOvr>
+    <a:masterClrMapping/>
+  </p:clrMapOvr>
+</p:sld>
+</file>
+
+<file path=ppt/slides/slide7.xml><?xml version="1.0" encoding="utf-8"?>
 <p:sld xmlns:a="http://schemas.openxmlformats.org/drawingml/2006/main" xmlns:r="http://schemas.openxmlformats.org/officeDocument/2006/relationships" xmlns:p="http://schemas.openxmlformats.org/presentationml/2006/main">
   <p:cSld>
     <p:spTree>
@@ -14656,6 +16067,149 @@
   <p:tag name="KSO_WM_UNIT_LAYERLEVEL" val="1"/>
   <p:tag name="KSO_WM_TAG_VERSION" val="1.0"/>
   <p:tag name="KSO_WM_BEAUTIFY_FLAG" val="#wm#"/>
+  <p:tag name="KSO_WM_UNIT_NOCLEAR" val="0"/>
+  <p:tag name="KSO_WM_UNIT_VALUE" val="636"/>
+  <p:tag name="KSO_WM_UNIT_TYPE" val="f"/>
+  <p:tag name="KSO_WM_UNIT_INDEX" val="1"/>
+  <p:tag name="KSO_WM_TEMPLATE_CATEGORY" val="custom"/>
+  <p:tag name="KSO_WM_TEMPLATE_INDEX" val="20204179"/>
+  <p:tag name="KSO_WM_UNIT_ID" val="custom20204179_8*f*1"/>
+  <p:tag name="KSO_WM_UNIT_PRESET_TEXT" val="单击此处输入你的正文，文字是您思想的提炼，为了最终演示发布的良好效果，请尽量言简意赅的阐述观点；根据需要可酌情增减文字，以便观者可以准确理解您所传达的信息。&#13;您的正文已经简明扼要，字字珠玑，但信息却错综复杂，需要用更多的文字来表述；但请您尽可能提炼思想的精髓，否则容易造成观者的阅读压力，适得其反。正如我们都希望改变世界，希望给人带去光明，但更多时候只需播下一颗种子，自然有微光照拂，雨露滋养。恰如其分的表达观点，往往可以事半功倍。&#13;单击此处输入你的正文，文字是您思想的提炼，为了最终演示发布的良好效果，请尽量言简意赅的阐述观点；根据需要可酌情增减文字，以便观者可以准确理解您所传达的信息。&#13;您的正文已经简明扼要，字字珠玑，但信息却错综复杂，需要用更多的文字来表述；但请您尽可能提炼思想的精髓，否则容易造成观者的阅读压力，适得其反。正如我们都希望改变世界，希望给人带去光明，但更多时候只需播下一颗种子，自然有微光照拂，雨露滋养。恰如其分的表达观点，往往可以事半功倍。"/>
+  <p:tag name="KSO_WM_UNIT_SUBTYPE" val="a"/>
+</p:tagLst>
+</file>
+
+<file path=ppt/tags/tag156.xml><?xml version="1.0" encoding="utf-8"?>
+<p:tagLst xmlns:p="http://schemas.openxmlformats.org/presentationml/2006/main">
+  <p:tag name="KSO_WM_UNIT_HIGHLIGHT" val="0"/>
+  <p:tag name="KSO_WM_UNIT_COMPATIBLE" val="0"/>
+  <p:tag name="KSO_WM_UNIT_DIAGRAM_ISNUMVISUAL" val="0"/>
+  <p:tag name="KSO_WM_UNIT_DIAGRAM_ISREFERUNIT" val="0"/>
+  <p:tag name="KSO_WM_UNIT_LAYERLEVEL" val="1"/>
+  <p:tag name="KSO_WM_TAG_VERSION" val="1.0"/>
+  <p:tag name="KSO_WM_BEAUTIFY_FLAG" val="#wm#"/>
+  <p:tag name="KSO_WM_UNIT_ISCONTENTSTITLE" val="0"/>
+  <p:tag name="KSO_WM_UNIT_NOCLEAR" val="0"/>
+  <p:tag name="KSO_WM_UNIT_VALUE" val="26"/>
+  <p:tag name="KSO_WM_UNIT_TYPE" val="a"/>
+  <p:tag name="KSO_WM_UNIT_INDEX" val="1"/>
+  <p:tag name="KSO_WM_UNIT_BLOCK" val="0"/>
+  <p:tag name="KSO_WM_TEMPLATE_CATEGORY" val="custom"/>
+  <p:tag name="KSO_WM_TEMPLATE_INDEX" val="20204179"/>
+  <p:tag name="KSO_WM_UNIT_ID" val="custom20204179_8*a*1"/>
+  <p:tag name="KSO_WM_UNIT_PRESET_TEXT" val="单击此处添加大标题"/>
+  <p:tag name="KSO_WM_UNIT_ISNUMDGMTITLE" val="0"/>
+</p:tagLst>
+</file>
+
+<file path=ppt/tags/tag157.xml><?xml version="1.0" encoding="utf-8"?>
+<p:tagLst xmlns:p="http://schemas.openxmlformats.org/presentationml/2006/main">
+  <p:tag name="KSO_WM_BEAUTIFY_FLAG" val="#wm#"/>
+  <p:tag name="KSO_WM_TEMPLATE_SUBCATEGORY" val="0"/>
+  <p:tag name="KSO_WM_SLIDE_ITEM_CNT" val="0"/>
+  <p:tag name="KSO_WM_SLIDE_INDEX" val="8"/>
+  <p:tag name="KSO_WM_TAG_VERSION" val="1.0"/>
+  <p:tag name="KSO_WM_SLIDE_TYPE" val="text"/>
+  <p:tag name="KSO_WM_SLIDE_SUBTYPE" val="pureTxt"/>
+  <p:tag name="KSO_WM_SLIDE_SIZE" val="863*444"/>
+  <p:tag name="KSO_WM_SLIDE_POSITION" val="47*47"/>
+  <p:tag name="KSO_WM_SLIDE_LAYOUT" val="a_f"/>
+  <p:tag name="KSO_WM_SLIDE_LAYOUT_CNT" val="1_1"/>
+  <p:tag name="KSO_WM_TEMPLATE_MASTER_TYPE" val="1"/>
+  <p:tag name="KSO_WM_TEMPLATE_COLOR_TYPE" val="1"/>
+  <p:tag name="KSO_WM_TEMPLATE_CATEGORY" val="custom"/>
+  <p:tag name="KSO_WM_TEMPLATE_INDEX" val="20204179"/>
+  <p:tag name="KSO_WM_SLIDE_ID" val="custom20204179_8"/>
+</p:tagLst>
+</file>
+
+<file path=ppt/tags/tag158.xml><?xml version="1.0" encoding="utf-8"?>
+<p:tagLst xmlns:p="http://schemas.openxmlformats.org/presentationml/2006/main">
+  <p:tag name="KSO_WM_UNIT_HIGHLIGHT" val="0"/>
+  <p:tag name="KSO_WM_UNIT_COMPATIBLE" val="0"/>
+  <p:tag name="KSO_WM_UNIT_DIAGRAM_ISNUMVISUAL" val="0"/>
+  <p:tag name="KSO_WM_UNIT_DIAGRAM_ISREFERUNIT" val="0"/>
+  <p:tag name="KSO_WM_UNIT_LAYERLEVEL" val="1"/>
+  <p:tag name="KSO_WM_TAG_VERSION" val="1.0"/>
+  <p:tag name="KSO_WM_BEAUTIFY_FLAG" val="#wm#"/>
+  <p:tag name="KSO_WM_UNIT_NOCLEAR" val="0"/>
+  <p:tag name="KSO_WM_UNIT_VALUE" val="636"/>
+  <p:tag name="KSO_WM_UNIT_TYPE" val="f"/>
+  <p:tag name="KSO_WM_UNIT_INDEX" val="1"/>
+  <p:tag name="KSO_WM_TEMPLATE_CATEGORY" val="custom"/>
+  <p:tag name="KSO_WM_TEMPLATE_INDEX" val="20204179"/>
+  <p:tag name="KSO_WM_UNIT_ID" val="custom20204179_8*f*1"/>
+  <p:tag name="KSO_WM_UNIT_PRESET_TEXT" val="单击此处输入你的正文，文字是您思想的提炼，为了最终演示发布的良好效果，请尽量言简意赅的阐述观点；根据需要可酌情增减文字，以便观者可以准确理解您所传达的信息。&#13;您的正文已经简明扼要，字字珠玑，但信息却错综复杂，需要用更多的文字来表述；但请您尽可能提炼思想的精髓，否则容易造成观者的阅读压力，适得其反。正如我们都希望改变世界，希望给人带去光明，但更多时候只需播下一颗种子，自然有微光照拂，雨露滋养。恰如其分的表达观点，往往可以事半功倍。&#13;单击此处输入你的正文，文字是您思想的提炼，为了最终演示发布的良好效果，请尽量言简意赅的阐述观点；根据需要可酌情增减文字，以便观者可以准确理解您所传达的信息。&#13;您的正文已经简明扼要，字字珠玑，但信息却错综复杂，需要用更多的文字来表述；但请您尽可能提炼思想的精髓，否则容易造成观者的阅读压力，适得其反。正如我们都希望改变世界，希望给人带去光明，但更多时候只需播下一颗种子，自然有微光照拂，雨露滋养。恰如其分的表达观点，往往可以事半功倍。"/>
+  <p:tag name="KSO_WM_UNIT_SUBTYPE" val="a"/>
+</p:tagLst>
+</file>
+
+<file path=ppt/tags/tag159.xml><?xml version="1.0" encoding="utf-8"?>
+<p:tagLst xmlns:p="http://schemas.openxmlformats.org/presentationml/2006/main">
+  <p:tag name="KSO_WM_UNIT_HIGHLIGHT" val="0"/>
+  <p:tag name="KSO_WM_UNIT_COMPATIBLE" val="0"/>
+  <p:tag name="KSO_WM_UNIT_DIAGRAM_ISNUMVISUAL" val="0"/>
+  <p:tag name="KSO_WM_UNIT_DIAGRAM_ISREFERUNIT" val="0"/>
+  <p:tag name="KSO_WM_UNIT_LAYERLEVEL" val="1"/>
+  <p:tag name="KSO_WM_TAG_VERSION" val="1.0"/>
+  <p:tag name="KSO_WM_BEAUTIFY_FLAG" val="#wm#"/>
+  <p:tag name="KSO_WM_UNIT_ISCONTENTSTITLE" val="0"/>
+  <p:tag name="KSO_WM_UNIT_NOCLEAR" val="0"/>
+  <p:tag name="KSO_WM_UNIT_VALUE" val="26"/>
+  <p:tag name="KSO_WM_UNIT_TYPE" val="a"/>
+  <p:tag name="KSO_WM_UNIT_INDEX" val="1"/>
+  <p:tag name="KSO_WM_UNIT_BLOCK" val="0"/>
+  <p:tag name="KSO_WM_TEMPLATE_CATEGORY" val="custom"/>
+  <p:tag name="KSO_WM_TEMPLATE_INDEX" val="20204179"/>
+  <p:tag name="KSO_WM_UNIT_ID" val="custom20204179_8*a*1"/>
+  <p:tag name="KSO_WM_UNIT_PRESET_TEXT" val="单击此处添加大标题"/>
+  <p:tag name="KSO_WM_UNIT_ISNUMDGMTITLE" val="0"/>
+</p:tagLst>
+</file>
+
+<file path=ppt/tags/tag16.xml><?xml version="1.0" encoding="utf-8"?>
+<p:tagLst xmlns:p="http://schemas.openxmlformats.org/presentationml/2006/main">
+  <p:tag name="KSO_WM_UNIT_HIGHLIGHT" val="0"/>
+  <p:tag name="KSO_WM_UNIT_COMPATIBLE" val="0"/>
+  <p:tag name="KSO_WM_UNIT_DIAGRAM_ISNUMVISUAL" val="0"/>
+  <p:tag name="KSO_WM_UNIT_DIAGRAM_ISREFERUNIT" val="0"/>
+  <p:tag name="KSO_WM_UNIT_ID" val="_3**"/>
+  <p:tag name="KSO_WM_UNIT_LAYERLEVEL" val="1"/>
+  <p:tag name="KSO_WM_TAG_VERSION" val="1.0"/>
+  <p:tag name="KSO_WM_BEAUTIFY_FLAG" val="#wm#"/>
+</p:tagLst>
+</file>
+
+<file path=ppt/tags/tag160.xml><?xml version="1.0" encoding="utf-8"?>
+<p:tagLst xmlns:p="http://schemas.openxmlformats.org/presentationml/2006/main">
+  <p:tag name="KSO_WM_BEAUTIFY_FLAG" val="#wm#"/>
+  <p:tag name="KSO_WM_TEMPLATE_SUBCATEGORY" val="0"/>
+  <p:tag name="KSO_WM_SLIDE_ITEM_CNT" val="0"/>
+  <p:tag name="KSO_WM_SLIDE_INDEX" val="8"/>
+  <p:tag name="KSO_WM_TAG_VERSION" val="1.0"/>
+  <p:tag name="KSO_WM_SLIDE_TYPE" val="text"/>
+  <p:tag name="KSO_WM_SLIDE_SUBTYPE" val="pureTxt"/>
+  <p:tag name="KSO_WM_SLIDE_SIZE" val="863*444"/>
+  <p:tag name="KSO_WM_SLIDE_POSITION" val="47*47"/>
+  <p:tag name="KSO_WM_SLIDE_LAYOUT" val="a_f"/>
+  <p:tag name="KSO_WM_SLIDE_LAYOUT_CNT" val="1_1"/>
+  <p:tag name="KSO_WM_TEMPLATE_MASTER_TYPE" val="1"/>
+  <p:tag name="KSO_WM_TEMPLATE_COLOR_TYPE" val="1"/>
+  <p:tag name="KSO_WM_TEMPLATE_CATEGORY" val="custom"/>
+  <p:tag name="KSO_WM_TEMPLATE_INDEX" val="20204179"/>
+  <p:tag name="KSO_WM_SLIDE_ID" val="custom20204179_8"/>
+</p:tagLst>
+</file>
+
+<file path=ppt/tags/tag161.xml><?xml version="1.0" encoding="utf-8"?>
+<p:tagLst xmlns:p="http://schemas.openxmlformats.org/presentationml/2006/main">
+  <p:tag name="KSO_WM_UNIT_HIGHLIGHT" val="0"/>
+  <p:tag name="KSO_WM_UNIT_COMPATIBLE" val="0"/>
+  <p:tag name="KSO_WM_UNIT_DIAGRAM_ISNUMVISUAL" val="0"/>
+  <p:tag name="KSO_WM_UNIT_DIAGRAM_ISREFERUNIT" val="0"/>
+  <p:tag name="KSO_WM_UNIT_LAYERLEVEL" val="1"/>
+  <p:tag name="KSO_WM_TAG_VERSION" val="1.0"/>
+  <p:tag name="KSO_WM_BEAUTIFY_FLAG" val="#wm#"/>
   <p:tag name="KSO_WM_UNIT_ISCONTENTSTITLE" val="0"/>
   <p:tag name="KSO_WM_UNIT_NOCLEAR" val="1"/>
   <p:tag name="KSO_WM_UNIT_VALUE" val="10"/>
@@ -14669,7 +16223,7 @@
 </p:tagLst>
 </file>
 
-<file path=ppt/tags/tag156.xml><?xml version="1.0" encoding="utf-8"?>
+<file path=ppt/tags/tag162.xml><?xml version="1.0" encoding="utf-8"?>
 <p:tagLst xmlns:p="http://schemas.openxmlformats.org/presentationml/2006/main">
   <p:tag name="KSO_WM_BEAUTIFY_FLAG" val="#wm#"/>
   <p:tag name="KSO_WM_TEMPLATE_SUBCATEGORY" val="0"/>
@@ -14685,19 +16239,6 @@
   <p:tag name="KSO_WM_TEMPLATE_CATEGORY" val="custom"/>
   <p:tag name="KSO_WM_TEMPLATE_INDEX" val="20204179"/>
   <p:tag name="KSO_WM_SLIDE_ID" val="custom20204179_43"/>
-</p:tagLst>
-</file>
-
-<file path=ppt/tags/tag16.xml><?xml version="1.0" encoding="utf-8"?>
-<p:tagLst xmlns:p="http://schemas.openxmlformats.org/presentationml/2006/main">
-  <p:tag name="KSO_WM_UNIT_HIGHLIGHT" val="0"/>
-  <p:tag name="KSO_WM_UNIT_COMPATIBLE" val="0"/>
-  <p:tag name="KSO_WM_UNIT_DIAGRAM_ISNUMVISUAL" val="0"/>
-  <p:tag name="KSO_WM_UNIT_DIAGRAM_ISREFERUNIT" val="0"/>
-  <p:tag name="KSO_WM_UNIT_ID" val="_3**"/>
-  <p:tag name="KSO_WM_UNIT_LAYERLEVEL" val="1"/>
-  <p:tag name="KSO_WM_TAG_VERSION" val="1.0"/>
-  <p:tag name="KSO_WM_BEAUTIFY_FLAG" val="#wm#"/>
 </p:tagLst>
 </file>
 

--- a/document/SpringCloud融会贯通/01-Eureka原理解析.pptx
+++ b/document/SpringCloud融会贯通/01-Eureka原理解析.pptx
@@ -14890,7 +14890,7 @@
                 <a:latin typeface="隶书" panose="02010509060101010101" charset="-122"/>
                 <a:ea typeface="隶书" panose="02010509060101010101" charset="-122"/>
               </a:rPr>
-              <a:t>https://www.cnblogs.com/trust-freedom/p/10218145.html</a:t>
+              <a:t>Spring Cloud Eureka的自动配置</a:t>
             </a:r>
             <a:endParaRPr lang="en-US" spc="0" dirty="0">
               <a:solidFill>
@@ -14903,6 +14903,198 @@
               <a:ea typeface="隶书" panose="02010509060101010101" charset="-122"/>
             </a:endParaRPr>
           </a:p>
+          <a:p>
+            <a:pPr marR="0" lvl="0" indent="0" algn="just" defTabSz="914400" rtl="0" eaLnBrk="1" fontAlgn="auto" latinLnBrk="0" hangingPunct="1">
+              <a:lnSpc>
+                <a:spcPct val="130000"/>
+              </a:lnSpc>
+              <a:spcBef>
+                <a:spcPts val="0"/>
+              </a:spcBef>
+              <a:spcAft>
+                <a:spcPts val="800"/>
+              </a:spcAft>
+              <a:buClrTx/>
+              <a:buSzTx/>
+              <a:buFont typeface="Arial" panose="020B0604020202020204" pitchFamily="34" charset="0"/>
+              <a:buNone/>
+              <a:defRPr/>
+            </a:pPr>
+            <a:r>
+              <a:rPr lang="en-US" spc="0" dirty="0">
+                <a:solidFill>
+                  <a:schemeClr val="tx1">
+                    <a:lumMod val="65000"/>
+                    <a:lumOff val="35000"/>
+                  </a:schemeClr>
+                </a:solidFill>
+                <a:latin typeface="隶书" panose="02010509060101010101" charset="-122"/>
+                <a:ea typeface="隶书" panose="02010509060101010101" charset="-122"/>
+              </a:rPr>
+              <a:t>@EnableDiscoveryClient</a:t>
+            </a:r>
+            <a:endParaRPr lang="en-US" spc="0" dirty="0">
+              <a:solidFill>
+                <a:schemeClr val="tx1">
+                  <a:lumMod val="65000"/>
+                  <a:lumOff val="35000"/>
+                </a:schemeClr>
+              </a:solidFill>
+              <a:latin typeface="隶书" panose="02010509060101010101" charset="-122"/>
+              <a:ea typeface="隶书" panose="02010509060101010101" charset="-122"/>
+            </a:endParaRPr>
+          </a:p>
+          <a:p>
+            <a:pPr marR="0" lvl="0" indent="0" algn="just" defTabSz="914400" rtl="0" eaLnBrk="1" fontAlgn="auto" latinLnBrk="0" hangingPunct="1">
+              <a:lnSpc>
+                <a:spcPct val="130000"/>
+              </a:lnSpc>
+              <a:spcBef>
+                <a:spcPts val="0"/>
+              </a:spcBef>
+              <a:spcAft>
+                <a:spcPts val="800"/>
+              </a:spcAft>
+              <a:buClrTx/>
+              <a:buSzTx/>
+              <a:buFont typeface="Arial" panose="020B0604020202020204" pitchFamily="34" charset="0"/>
+              <a:buNone/>
+              <a:defRPr/>
+            </a:pPr>
+            <a:r>
+              <a:rPr lang="en-US" spc="0" dirty="0">
+                <a:solidFill>
+                  <a:schemeClr val="tx1">
+                    <a:lumMod val="65000"/>
+                    <a:lumOff val="35000"/>
+                  </a:schemeClr>
+                </a:solidFill>
+                <a:latin typeface="隶书" panose="02010509060101010101" charset="-122"/>
+                <a:ea typeface="隶书" panose="02010509060101010101" charset="-122"/>
+              </a:rPr>
+              <a:t>EurekaDiscoveryClientConfiguration</a:t>
+            </a:r>
+            <a:endParaRPr lang="en-US" spc="0" dirty="0">
+              <a:solidFill>
+                <a:schemeClr val="tx1">
+                  <a:lumMod val="65000"/>
+                  <a:lumOff val="35000"/>
+                </a:schemeClr>
+              </a:solidFill>
+              <a:latin typeface="隶书" panose="02010509060101010101" charset="-122"/>
+              <a:ea typeface="隶书" panose="02010509060101010101" charset="-122"/>
+            </a:endParaRPr>
+          </a:p>
+          <a:p>
+            <a:pPr marR="0" lvl="0" indent="0" algn="just" defTabSz="914400" rtl="0" eaLnBrk="1" fontAlgn="auto" latinLnBrk="0" hangingPunct="1">
+              <a:lnSpc>
+                <a:spcPct val="130000"/>
+              </a:lnSpc>
+              <a:spcBef>
+                <a:spcPts val="0"/>
+              </a:spcBef>
+              <a:spcAft>
+                <a:spcPts val="800"/>
+              </a:spcAft>
+              <a:buClrTx/>
+              <a:buSzTx/>
+              <a:buFont typeface="Arial" panose="020B0604020202020204" pitchFamily="34" charset="0"/>
+              <a:buNone/>
+              <a:defRPr/>
+            </a:pPr>
+            <a:r>
+              <a:rPr lang="en-US" b="1" spc="0" dirty="0">
+                <a:solidFill>
+                  <a:schemeClr val="tx1">
+                    <a:lumMod val="65000"/>
+                    <a:lumOff val="35000"/>
+                  </a:schemeClr>
+                </a:solidFill>
+                <a:latin typeface="隶书" panose="02010509060101010101" charset="-122"/>
+                <a:ea typeface="隶书" panose="02010509060101010101" charset="-122"/>
+              </a:rPr>
+              <a:t>EurekaClientAutoConfiguration</a:t>
+            </a:r>
+            <a:endParaRPr lang="en-US" b="1" spc="0" dirty="0">
+              <a:solidFill>
+                <a:schemeClr val="tx1">
+                  <a:lumMod val="65000"/>
+                  <a:lumOff val="35000"/>
+                </a:schemeClr>
+              </a:solidFill>
+              <a:latin typeface="隶书" panose="02010509060101010101" charset="-122"/>
+              <a:ea typeface="隶书" panose="02010509060101010101" charset="-122"/>
+            </a:endParaRPr>
+          </a:p>
+          <a:p>
+            <a:pPr marR="0" lvl="0" indent="0" algn="just" defTabSz="914400" rtl="0" eaLnBrk="1" fontAlgn="auto" latinLnBrk="0" hangingPunct="1">
+              <a:lnSpc>
+                <a:spcPct val="130000"/>
+              </a:lnSpc>
+              <a:spcBef>
+                <a:spcPts val="0"/>
+              </a:spcBef>
+              <a:spcAft>
+                <a:spcPts val="800"/>
+              </a:spcAft>
+              <a:buClrTx/>
+              <a:buSzTx/>
+              <a:buFont typeface="Arial" panose="020B0604020202020204" pitchFamily="34" charset="0"/>
+              <a:buNone/>
+              <a:defRPr/>
+            </a:pPr>
+            <a:r>
+              <a:rPr lang="en-US" altLang="zh-CN" spc="0" dirty="0">
+                <a:solidFill>
+                  <a:schemeClr val="tx1">
+                    <a:lumMod val="65000"/>
+                    <a:lumOff val="35000"/>
+                  </a:schemeClr>
+                </a:solidFill>
+                <a:latin typeface="隶书" panose="02010509060101010101" charset="-122"/>
+                <a:ea typeface="隶书" panose="02010509060101010101" charset="-122"/>
+              </a:rPr>
+              <a:t># EurekaInstanceConfigBean eurekaInstanceConfigBean # 注册EurekaInstanceConfigBean</a:t>
+            </a:r>
+            <a:endParaRPr lang="en-US" altLang="zh-CN" spc="0" dirty="0">
+              <a:solidFill>
+                <a:schemeClr val="tx1">
+                  <a:lumMod val="65000"/>
+                  <a:lumOff val="35000"/>
+                </a:schemeClr>
+              </a:solidFill>
+              <a:latin typeface="隶书" panose="02010509060101010101" charset="-122"/>
+              <a:ea typeface="隶书" panose="02010509060101010101" charset="-122"/>
+            </a:endParaRPr>
+          </a:p>
+          <a:p>
+            <a:pPr marR="0" lvl="0" indent="0" algn="just" defTabSz="914400" rtl="0" eaLnBrk="1" fontAlgn="auto" latinLnBrk="0" hangingPunct="1">
+              <a:lnSpc>
+                <a:spcPct val="130000"/>
+              </a:lnSpc>
+              <a:spcBef>
+                <a:spcPts val="0"/>
+              </a:spcBef>
+              <a:spcAft>
+                <a:spcPts val="800"/>
+              </a:spcAft>
+              <a:buClrTx/>
+              <a:buSzTx/>
+              <a:buFont typeface="Arial" panose="020B0604020202020204" pitchFamily="34" charset="0"/>
+              <a:buNone/>
+              <a:defRPr/>
+            </a:pPr>
+            <a:endParaRPr lang="en-US" altLang="zh-CN" spc="0" dirty="0">
+              <a:solidFill>
+                <a:schemeClr val="tx1">
+                  <a:lumMod val="65000"/>
+                  <a:lumOff val="35000"/>
+                </a:schemeClr>
+              </a:solidFill>
+              <a:latin typeface="隶书" panose="02010509060101010101" charset="-122"/>
+              <a:ea typeface="隶书" panose="02010509060101010101" charset="-122"/>
+            </a:endParaRPr>
+          </a:p>
         </p:txBody>
       </p:sp>
       <p:sp>
@@ -14926,7 +15118,7 @@
         </p:spPr>
         <p:txBody>
           <a:bodyPr vert="horz" lIns="90170" tIns="46990" rIns="90170" bIns="46990" rtlCol="0" anchor="ctr" anchorCtr="0">
-            <a:normAutofit/>
+            <a:normAutofit fontScale="90000"/>
           </a:bodyPr>
           <a:lstStyle>
             <a:lvl1pPr marR="0" fontAlgn="auto">
@@ -14965,7 +15157,7 @@
                 <a:latin typeface="隶书" panose="02010509060101010101" charset="-122"/>
                 <a:ea typeface="隶书" panose="02010509060101010101" charset="-122"/>
               </a:rPr>
-              <a:t>服务端源码</a:t>
+              <a:t>Eureka Client启动并调用Eureka Server的注册接口</a:t>
             </a:r>
             <a:endParaRPr dirty="0">
               <a:solidFill>
